--- a/docs/tutorials/overview.pptx
+++ b/docs/tutorials/overview.pptx
@@ -4034,15 +4034,15 @@
             <a:pPr lvl="1"/>
             <a:r>
               <a:rPr lang="en-US" dirty="0" err="1" smtClean="0"/>
+              <a:t>cloudDirectory</a:t>
+            </a:r>
+            <a:endParaRPr lang="en-US" dirty="0" smtClean="0"/>
+          </a:p>
+          <a:p>
+            <a:pPr lvl="1"/>
+            <a:r>
+              <a:rPr lang="en-US" dirty="0" err="1" smtClean="0"/>
               <a:t>localComm</a:t>
-            </a:r>
-            <a:endParaRPr lang="en-US" dirty="0" smtClean="0"/>
-          </a:p>
-          <a:p>
-            <a:pPr lvl="1"/>
-            <a:r>
-              <a:rPr lang="en-US" dirty="0" err="1" smtClean="0"/>
-              <a:t>cloudDirectory</a:t>
             </a:r>
             <a:endParaRPr lang="en-US" dirty="0" smtClean="0"/>
           </a:p>

--- a/docs/tutorials/overview.pptx
+++ b/docs/tutorials/overview.pptx
@@ -5,19 +5,22 @@
     <p:sldMasterId id="2147483648" r:id="rId1"/>
   </p:sldMasterIdLst>
   <p:notesMasterIdLst>
-    <p:notesMasterId r:id="rId12"/>
+    <p:notesMasterId r:id="rId15"/>
   </p:notesMasterIdLst>
   <p:sldIdLst>
     <p:sldId id="256" r:id="rId2"/>
     <p:sldId id="257" r:id="rId3"/>
     <p:sldId id="258" r:id="rId4"/>
     <p:sldId id="259" r:id="rId5"/>
-    <p:sldId id="262" r:id="rId6"/>
-    <p:sldId id="260" r:id="rId7"/>
-    <p:sldId id="261" r:id="rId8"/>
-    <p:sldId id="263" r:id="rId9"/>
-    <p:sldId id="264" r:id="rId10"/>
-    <p:sldId id="265" r:id="rId11"/>
+    <p:sldId id="263" r:id="rId6"/>
+    <p:sldId id="262" r:id="rId7"/>
+    <p:sldId id="266" r:id="rId8"/>
+    <p:sldId id="267" r:id="rId9"/>
+    <p:sldId id="260" r:id="rId10"/>
+    <p:sldId id="261" r:id="rId11"/>
+    <p:sldId id="268" r:id="rId12"/>
+    <p:sldId id="264" r:id="rId13"/>
+    <p:sldId id="265" r:id="rId14"/>
   </p:sldIdLst>
   <p:sldSz cx="9144000" cy="6858000" type="screen4x3"/>
   <p:notesSz cx="6858000" cy="9144000"/>
@@ -534,7 +537,7 @@
           <a:p>
             <a:fld id="{DADB8682-4416-344B-B152-972A5B5C7A71}" type="slidenum">
               <a:rPr lang="en-US" smtClean="0"/>
-              <a:t>5</a:t>
+              <a:t>6</a:t>
             </a:fld>
             <a:endParaRPr lang="en-US"/>
           </a:p>
@@ -3626,6 +3629,617 @@
       </p:grpSpPr>
       <p:sp>
         <p:nvSpPr>
+          <p:cNvPr id="2" name="Title 1"/>
+          <p:cNvSpPr>
+            <a:spLocks noGrp="1"/>
+          </p:cNvSpPr>
+          <p:nvPr>
+            <p:ph type="title"/>
+          </p:nvPr>
+        </p:nvSpPr>
+        <p:spPr/>
+        <p:txBody>
+          <a:bodyPr/>
+          <a:lstStyle/>
+          <a:p>
+            <a:r>
+              <a:rPr lang="en-US" dirty="0" smtClean="0"/>
+              <a:t>Advertise All Edison Services</a:t>
+            </a:r>
+            <a:endParaRPr lang="en-US" dirty="0"/>
+          </a:p>
+        </p:txBody>
+      </p:sp>
+      <p:sp>
+        <p:nvSpPr>
+          <p:cNvPr id="4" name="Rectangle 3"/>
+          <p:cNvSpPr/>
+          <p:nvPr/>
+        </p:nvSpPr>
+        <p:spPr>
+          <a:xfrm>
+            <a:off x="1066375" y="3105835"/>
+            <a:ext cx="7059336" cy="369332"/>
+          </a:xfrm>
+          <a:prstGeom prst="rect">
+            <a:avLst/>
+          </a:prstGeom>
+        </p:spPr>
+        <p:txBody>
+          <a:bodyPr wrap="square">
+            <a:spAutoFit/>
+          </a:bodyPr>
+          <a:lstStyle/>
+          <a:p>
+            <a:r>
+              <a:rPr lang="en-US" dirty="0" err="1">
+                <a:latin typeface="Courier"/>
+                <a:cs typeface="Courier"/>
+              </a:rPr>
+              <a:t>edisonMdns.advertiseServices</a:t>
+            </a:r>
+            <a:r>
+              <a:rPr lang="en-US" dirty="0" smtClean="0">
+                <a:latin typeface="Courier"/>
+                <a:cs typeface="Courier"/>
+              </a:rPr>
+              <a:t>(</a:t>
+            </a:r>
+            <a:r>
+              <a:rPr lang="en-US" dirty="0" err="1" smtClean="0">
+                <a:latin typeface="Courier"/>
+                <a:cs typeface="Courier"/>
+              </a:rPr>
+              <a:t>servicesDirectory</a:t>
+            </a:r>
+            <a:r>
+              <a:rPr lang="en-US" dirty="0" smtClean="0">
+                <a:latin typeface="Courier"/>
+                <a:cs typeface="Courier"/>
+              </a:rPr>
+              <a:t>)</a:t>
+            </a:r>
+            <a:r>
+              <a:rPr lang="en-US" dirty="0">
+                <a:latin typeface="Courier"/>
+                <a:cs typeface="Courier"/>
+              </a:rPr>
+              <a:t>);</a:t>
+            </a:r>
+          </a:p>
+        </p:txBody>
+      </p:sp>
+    </p:spTree>
+    <p:extLst>
+      <p:ext uri="{BB962C8B-B14F-4D97-AF65-F5344CB8AC3E}">
+        <p14:creationId xmlns:p14="http://schemas.microsoft.com/office/powerpoint/2010/main" val="3372425906"/>
+      </p:ext>
+    </p:extLst>
+  </p:cSld>
+  <p:clrMapOvr>
+    <a:masterClrMapping/>
+  </p:clrMapOvr>
+  <p:timing>
+    <p:tnLst>
+      <p:par>
+        <p:cTn xmlns:p14="http://schemas.microsoft.com/office/powerpoint/2010/main" id="1" dur="indefinite" restart="never" nodeType="tmRoot"/>
+      </p:par>
+    </p:tnLst>
+  </p:timing>
+</p:sld>
+</file>
+
+<file path=ppt/slides/slide11.xml><?xml version="1.0" encoding="utf-8"?>
+<p:sld xmlns:a="http://schemas.openxmlformats.org/drawingml/2006/main" xmlns:r="http://schemas.openxmlformats.org/officeDocument/2006/relationships" xmlns:p="http://schemas.openxmlformats.org/presentationml/2006/main">
+  <p:cSld>
+    <p:spTree>
+      <p:nvGrpSpPr>
+        <p:cNvPr id="1" name=""/>
+        <p:cNvGrpSpPr/>
+        <p:nvPr/>
+      </p:nvGrpSpPr>
+      <p:grpSpPr>
+        <a:xfrm>
+          <a:off x="0" y="0"/>
+          <a:ext cx="0" cy="0"/>
+          <a:chOff x="0" y="0"/>
+          <a:chExt cx="0" cy="0"/>
+        </a:xfrm>
+      </p:grpSpPr>
+      <p:sp>
+        <p:nvSpPr>
+          <p:cNvPr id="4" name="Title 3"/>
+          <p:cNvSpPr>
+            <a:spLocks noGrp="1"/>
+          </p:cNvSpPr>
+          <p:nvPr>
+            <p:ph type="ctrTitle"/>
+          </p:nvPr>
+        </p:nvSpPr>
+        <p:spPr/>
+        <p:txBody>
+          <a:bodyPr>
+            <a:normAutofit fontScale="90000"/>
+          </a:bodyPr>
+          <a:lstStyle/>
+          <a:p>
+            <a:r>
+              <a:rPr lang="en-US" dirty="0" smtClean="0"/>
+              <a:t>So we can advertise and find services, now how about actually communicating with them?</a:t>
+            </a:r>
+            <a:endParaRPr lang="en-US" dirty="0"/>
+          </a:p>
+        </p:txBody>
+      </p:sp>
+      <p:sp>
+        <p:nvSpPr>
+          <p:cNvPr id="5" name="Subtitle 4"/>
+          <p:cNvSpPr>
+            <a:spLocks noGrp="1"/>
+          </p:cNvSpPr>
+          <p:nvPr>
+            <p:ph type="subTitle" idx="1"/>
+          </p:nvPr>
+        </p:nvSpPr>
+        <p:spPr/>
+        <p:txBody>
+          <a:bodyPr/>
+          <a:lstStyle/>
+          <a:p>
+            <a:endParaRPr lang="en-US"/>
+          </a:p>
+        </p:txBody>
+      </p:sp>
+    </p:spTree>
+    <p:extLst>
+      <p:ext uri="{BB962C8B-B14F-4D97-AF65-F5344CB8AC3E}">
+        <p14:creationId xmlns:p14="http://schemas.microsoft.com/office/powerpoint/2010/main" val="2955401399"/>
+      </p:ext>
+    </p:extLst>
+  </p:cSld>
+  <p:clrMapOvr>
+    <a:masterClrMapping/>
+  </p:clrMapOvr>
+  <p:timing>
+    <p:tnLst>
+      <p:par>
+        <p:cTn xmlns:p14="http://schemas.microsoft.com/office/powerpoint/2010/main" id="1" dur="indefinite" restart="never" nodeType="tmRoot"/>
+      </p:par>
+    </p:tnLst>
+  </p:timing>
+</p:sld>
+</file>
+
+<file path=ppt/slides/slide12.xml><?xml version="1.0" encoding="utf-8"?>
+<p:sld xmlns:a="http://schemas.openxmlformats.org/drawingml/2006/main" xmlns:r="http://schemas.openxmlformats.org/officeDocument/2006/relationships" xmlns:p="http://schemas.openxmlformats.org/presentationml/2006/main">
+  <p:cSld>
+    <p:spTree>
+      <p:nvGrpSpPr>
+        <p:cNvPr id="1" name=""/>
+        <p:cNvGrpSpPr/>
+        <p:nvPr/>
+      </p:nvGrpSpPr>
+      <p:grpSpPr>
+        <a:xfrm>
+          <a:off x="0" y="0"/>
+          <a:ext cx="0" cy="0"/>
+          <a:chOff x="0" y="0"/>
+          <a:chExt cx="0" cy="0"/>
+        </a:xfrm>
+      </p:grpSpPr>
+      <p:sp>
+        <p:nvSpPr>
+          <p:cNvPr id="2" name="Title 1"/>
+          <p:cNvSpPr>
+            <a:spLocks noGrp="1"/>
+          </p:cNvSpPr>
+          <p:nvPr>
+            <p:ph type="title"/>
+          </p:nvPr>
+        </p:nvSpPr>
+        <p:spPr/>
+        <p:txBody>
+          <a:bodyPr/>
+          <a:lstStyle/>
+          <a:p>
+            <a:r>
+              <a:rPr lang="en-US" dirty="0" smtClean="0"/>
+              <a:t>Communication</a:t>
+            </a:r>
+            <a:endParaRPr lang="en-US" dirty="0"/>
+          </a:p>
+        </p:txBody>
+      </p:sp>
+      <p:sp>
+        <p:nvSpPr>
+          <p:cNvPr id="4" name="Rectangle 3"/>
+          <p:cNvSpPr/>
+          <p:nvPr/>
+        </p:nvSpPr>
+        <p:spPr>
+          <a:xfrm>
+            <a:off x="457200" y="1750291"/>
+            <a:ext cx="8229600" cy="2954655"/>
+          </a:xfrm>
+          <a:prstGeom prst="rect">
+            <a:avLst/>
+          </a:prstGeom>
+        </p:spPr>
+        <p:txBody>
+          <a:bodyPr wrap="square">
+            <a:spAutoFit/>
+          </a:bodyPr>
+          <a:lstStyle/>
+          <a:p>
+            <a:r>
+              <a:rPr lang="en-US" sz="1400" dirty="0" err="1">
+                <a:latin typeface="Courier"/>
+                <a:cs typeface="Courier"/>
+              </a:rPr>
+              <a:t>var</a:t>
+            </a:r>
+            <a:r>
+              <a:rPr lang="en-US" sz="1400" dirty="0">
+                <a:latin typeface="Courier"/>
+                <a:cs typeface="Courier"/>
+              </a:rPr>
+              <a:t> </a:t>
+            </a:r>
+            <a:r>
+              <a:rPr lang="en-US" sz="1400" dirty="0" err="1">
+                <a:latin typeface="Courier"/>
+                <a:cs typeface="Courier"/>
+              </a:rPr>
+              <a:t>edison</a:t>
+            </a:r>
+            <a:r>
+              <a:rPr lang="en-US" sz="1400" dirty="0">
+                <a:latin typeface="Courier"/>
+                <a:cs typeface="Courier"/>
+              </a:rPr>
+              <a:t> = require('../</a:t>
+            </a:r>
+            <a:r>
+              <a:rPr lang="en-US" sz="1400" dirty="0" err="1">
+                <a:latin typeface="Courier"/>
+                <a:cs typeface="Courier"/>
+              </a:rPr>
+              <a:t>edison</a:t>
+            </a:r>
+            <a:r>
+              <a:rPr lang="en-US" sz="1400" dirty="0">
+                <a:latin typeface="Courier"/>
+                <a:cs typeface="Courier"/>
+              </a:rPr>
+              <a:t>-lib');</a:t>
+            </a:r>
+            <a:endParaRPr lang="en-US" sz="1400" dirty="0" smtClean="0">
+              <a:latin typeface="Courier"/>
+              <a:cs typeface="Courier"/>
+            </a:endParaRPr>
+          </a:p>
+          <a:p>
+            <a:r>
+              <a:rPr lang="en-US" sz="1400" dirty="0" err="1" smtClean="0">
+                <a:latin typeface="Courier"/>
+                <a:cs typeface="Courier"/>
+              </a:rPr>
+              <a:t>var</a:t>
+            </a:r>
+            <a:r>
+              <a:rPr lang="en-US" sz="1400" dirty="0" smtClean="0">
+                <a:latin typeface="Courier"/>
+                <a:cs typeface="Courier"/>
+              </a:rPr>
+              <a:t> </a:t>
+            </a:r>
+            <a:r>
+              <a:rPr lang="en-US" sz="1400" dirty="0" err="1">
+                <a:latin typeface="Courier"/>
+                <a:cs typeface="Courier"/>
+              </a:rPr>
+              <a:t>edisonMqtt</a:t>
+            </a:r>
+            <a:r>
+              <a:rPr lang="en-US" sz="1400" dirty="0">
+                <a:latin typeface="Courier"/>
+                <a:cs typeface="Courier"/>
+              </a:rPr>
+              <a:t> = </a:t>
+            </a:r>
+            <a:r>
+              <a:rPr lang="en-US" sz="1400" dirty="0" err="1">
+                <a:latin typeface="Courier"/>
+                <a:cs typeface="Courier"/>
+              </a:rPr>
+              <a:t>edison.localComm.edisonMqtt</a:t>
+            </a:r>
+            <a:r>
+              <a:rPr lang="en-US" sz="1400" dirty="0">
+                <a:latin typeface="Courier"/>
+                <a:cs typeface="Courier"/>
+              </a:rPr>
+              <a:t>;</a:t>
+            </a:r>
+          </a:p>
+          <a:p>
+            <a:r>
+              <a:rPr lang="en-US" sz="1400" dirty="0" smtClean="0">
+                <a:latin typeface="Courier"/>
+                <a:cs typeface="Courier"/>
+              </a:rPr>
+              <a:t>…</a:t>
+            </a:r>
+          </a:p>
+          <a:p>
+            <a:r>
+              <a:rPr lang="en-US" sz="1400" dirty="0">
+                <a:latin typeface="Courier"/>
+                <a:cs typeface="Courier"/>
+              </a:rPr>
+              <a:t>	</a:t>
+            </a:r>
+          </a:p>
+          <a:p>
+            <a:r>
+              <a:rPr lang="en-US" sz="1400" b="1" dirty="0">
+                <a:latin typeface="Courier"/>
+                <a:cs typeface="Courier"/>
+              </a:rPr>
+              <a:t>function </a:t>
+            </a:r>
+            <a:r>
+              <a:rPr lang="en-US" sz="1400" b="1" dirty="0" err="1">
+                <a:latin typeface="Courier"/>
+                <a:cs typeface="Courier"/>
+              </a:rPr>
+              <a:t>onDiscovery</a:t>
+            </a:r>
+            <a:r>
+              <a:rPr lang="en-US" sz="1400" b="1" dirty="0">
+                <a:latin typeface="Courier"/>
+                <a:cs typeface="Courier"/>
+              </a:rPr>
+              <a:t>(service){</a:t>
+            </a:r>
+          </a:p>
+          <a:p>
+            <a:r>
+              <a:rPr lang="en-US" sz="1400" dirty="0">
+                <a:latin typeface="Courier"/>
+                <a:cs typeface="Courier"/>
+              </a:rPr>
+              <a:t>	</a:t>
+            </a:r>
+            <a:r>
+              <a:rPr lang="en-US" sz="1400" dirty="0" smtClean="0">
+                <a:latin typeface="Courier"/>
+                <a:cs typeface="Courier"/>
+              </a:rPr>
+              <a:t>client </a:t>
+            </a:r>
+            <a:r>
+              <a:rPr lang="en-US" sz="1400" dirty="0">
+                <a:latin typeface="Courier"/>
+                <a:cs typeface="Courier"/>
+              </a:rPr>
+              <a:t>= </a:t>
+            </a:r>
+            <a:r>
+              <a:rPr lang="en-US" sz="1400" dirty="0" err="1">
+                <a:latin typeface="Courier"/>
+                <a:cs typeface="Courier"/>
+              </a:rPr>
+              <a:t>edisonMqtt.createClient</a:t>
+            </a:r>
+            <a:r>
+              <a:rPr lang="en-US" sz="1400" dirty="0" smtClean="0">
+                <a:latin typeface="Courier"/>
+                <a:cs typeface="Courier"/>
+              </a:rPr>
+              <a:t>(</a:t>
+            </a:r>
+            <a:r>
+              <a:rPr lang="en-US" sz="1400" dirty="0" err="1" smtClean="0">
+                <a:latin typeface="Courier"/>
+                <a:cs typeface="Courier"/>
+              </a:rPr>
+              <a:t>service.address</a:t>
+            </a:r>
+            <a:r>
+              <a:rPr lang="en-US" sz="1400" dirty="0" smtClean="0">
+                <a:latin typeface="Courier"/>
+                <a:cs typeface="Courier"/>
+              </a:rPr>
+              <a:t>, </a:t>
+            </a:r>
+            <a:r>
+              <a:rPr lang="en-US" sz="1400" dirty="0" err="1" smtClean="0">
+                <a:latin typeface="Courier"/>
+                <a:cs typeface="Courier"/>
+              </a:rPr>
+              <a:t>service.port</a:t>
+            </a:r>
+            <a:r>
+              <a:rPr lang="en-US" sz="1400" dirty="0" smtClean="0">
+                <a:latin typeface="Courier"/>
+                <a:cs typeface="Courier"/>
+              </a:rPr>
+              <a:t>);</a:t>
+            </a:r>
+            <a:endParaRPr lang="en-US" sz="1400" dirty="0">
+              <a:latin typeface="Courier"/>
+              <a:cs typeface="Courier"/>
+            </a:endParaRPr>
+          </a:p>
+          <a:p>
+            <a:r>
+              <a:rPr lang="en-US" sz="1400" dirty="0">
+                <a:latin typeface="Courier"/>
+                <a:cs typeface="Courier"/>
+              </a:rPr>
+              <a:t>	</a:t>
+            </a:r>
+            <a:endParaRPr lang="en-US" sz="1400" dirty="0" smtClean="0">
+              <a:latin typeface="Courier"/>
+              <a:cs typeface="Courier"/>
+            </a:endParaRPr>
+          </a:p>
+          <a:p>
+            <a:r>
+              <a:rPr lang="en-US" sz="1400" dirty="0" smtClean="0">
+                <a:latin typeface="Courier"/>
+                <a:cs typeface="Courier"/>
+              </a:rPr>
+              <a:t>	</a:t>
+            </a:r>
+            <a:r>
+              <a:rPr lang="en-US" sz="1400" dirty="0" err="1" smtClean="0">
+                <a:latin typeface="Courier"/>
+                <a:cs typeface="Courier"/>
+              </a:rPr>
+              <a:t>client.subscribe</a:t>
+            </a:r>
+            <a:r>
+              <a:rPr lang="en-US" sz="1400" dirty="0" smtClean="0">
+                <a:latin typeface="Courier"/>
+                <a:cs typeface="Courier"/>
+              </a:rPr>
+              <a:t>(</a:t>
+            </a:r>
+            <a:r>
+              <a:rPr lang="en-US" sz="1400" dirty="0" err="1" smtClean="0">
+                <a:latin typeface="Courier"/>
+                <a:cs typeface="Courier"/>
+              </a:rPr>
+              <a:t>service.topic</a:t>
+            </a:r>
+            <a:r>
+              <a:rPr lang="en-US" sz="1400" dirty="0" smtClean="0">
+                <a:latin typeface="Courier"/>
+                <a:cs typeface="Courier"/>
+              </a:rPr>
+              <a:t>);</a:t>
+            </a:r>
+            <a:endParaRPr lang="en-US" sz="1400" dirty="0">
+              <a:latin typeface="Courier"/>
+              <a:cs typeface="Courier"/>
+            </a:endParaRPr>
+          </a:p>
+          <a:p>
+            <a:r>
+              <a:rPr lang="en-US" sz="1400" dirty="0">
+                <a:latin typeface="Courier"/>
+                <a:cs typeface="Courier"/>
+              </a:rPr>
+              <a:t>	</a:t>
+            </a:r>
+          </a:p>
+          <a:p>
+            <a:r>
+              <a:rPr lang="en-US" sz="1400" dirty="0">
+                <a:latin typeface="Courier"/>
+                <a:cs typeface="Courier"/>
+              </a:rPr>
+              <a:t>	</a:t>
+            </a:r>
+            <a:r>
+              <a:rPr lang="en-US" sz="1400" dirty="0" err="1">
+                <a:latin typeface="Courier"/>
+                <a:cs typeface="Courier"/>
+              </a:rPr>
+              <a:t>client.on</a:t>
+            </a:r>
+            <a:r>
+              <a:rPr lang="en-US" sz="1400" dirty="0">
+                <a:latin typeface="Courier"/>
+                <a:cs typeface="Courier"/>
+              </a:rPr>
+              <a:t>('message', function (topic, message) {</a:t>
+            </a:r>
+          </a:p>
+          <a:p>
+            <a:r>
+              <a:rPr lang="en-US" sz="1400" dirty="0">
+                <a:latin typeface="Courier"/>
+                <a:cs typeface="Courier"/>
+              </a:rPr>
+              <a:t>	  </a:t>
+            </a:r>
+            <a:r>
+              <a:rPr lang="en-US" sz="1400" dirty="0" err="1">
+                <a:latin typeface="Courier"/>
+                <a:cs typeface="Courier"/>
+              </a:rPr>
+              <a:t>console.log</a:t>
+            </a:r>
+            <a:r>
+              <a:rPr lang="en-US" sz="1400" dirty="0">
+                <a:latin typeface="Courier"/>
+                <a:cs typeface="Courier"/>
+              </a:rPr>
+              <a:t>(message);</a:t>
+            </a:r>
+          </a:p>
+          <a:p>
+            <a:r>
+              <a:rPr lang="en-US" sz="1400" dirty="0">
+                <a:latin typeface="Courier"/>
+                <a:cs typeface="Courier"/>
+              </a:rPr>
+              <a:t>	});</a:t>
+            </a:r>
+          </a:p>
+          <a:p>
+            <a:r>
+              <a:rPr lang="en-US" sz="1400" dirty="0">
+                <a:latin typeface="Courier"/>
+                <a:cs typeface="Courier"/>
+              </a:rPr>
+              <a:t>}</a:t>
+            </a:r>
+          </a:p>
+        </p:txBody>
+      </p:sp>
+    </p:spTree>
+    <p:extLst>
+      <p:ext uri="{BB962C8B-B14F-4D97-AF65-F5344CB8AC3E}">
+        <p14:creationId xmlns:p14="http://schemas.microsoft.com/office/powerpoint/2010/main" val="2395359913"/>
+      </p:ext>
+    </p:extLst>
+  </p:cSld>
+  <p:clrMapOvr>
+    <a:masterClrMapping/>
+  </p:clrMapOvr>
+  <p:timing>
+    <p:tnLst>
+      <p:par>
+        <p:cTn xmlns:p14="http://schemas.microsoft.com/office/powerpoint/2010/main" id="1" dur="indefinite" restart="never" nodeType="tmRoot"/>
+      </p:par>
+    </p:tnLst>
+  </p:timing>
+</p:sld>
+</file>
+
+<file path=ppt/slides/slide13.xml><?xml version="1.0" encoding="utf-8"?>
+<p:sld xmlns:a="http://schemas.openxmlformats.org/drawingml/2006/main" xmlns:r="http://schemas.openxmlformats.org/officeDocument/2006/relationships" xmlns:p="http://schemas.openxmlformats.org/presentationml/2006/main">
+  <p:cSld>
+    <p:spTree>
+      <p:nvGrpSpPr>
+        <p:cNvPr id="1" name=""/>
+        <p:cNvGrpSpPr/>
+        <p:nvPr/>
+      </p:nvGrpSpPr>
+      <p:grpSpPr>
+        <a:xfrm>
+          <a:off x="0" y="0"/>
+          <a:ext cx="0" cy="0"/>
+          <a:chOff x="0" y="0"/>
+          <a:chExt cx="0" cy="0"/>
+        </a:xfrm>
+      </p:grpSpPr>
+      <p:sp>
+        <p:nvSpPr>
           <p:cNvPr id="4" name="Title 3"/>
           <p:cNvSpPr>
             <a:spLocks noGrp="1"/>
@@ -3676,6 +4290,13 @@
   <p:clrMapOvr>
     <a:masterClrMapping/>
   </p:clrMapOvr>
+  <p:timing>
+    <p:tnLst>
+      <p:par>
+        <p:cTn xmlns:p14="http://schemas.microsoft.com/office/powerpoint/2010/main" id="1" dur="indefinite" restart="never" nodeType="tmRoot"/>
+      </p:par>
+    </p:tnLst>
+  </p:timing>
 </p:sld>
 </file>
 
@@ -4028,7 +4649,18 @@
               <a:rPr lang="en-US" dirty="0" err="1" smtClean="0"/>
               <a:t>localDirectory</a:t>
             </a:r>
-            <a:endParaRPr lang="en-US" dirty="0" smtClean="0"/>
+            <a:r>
+              <a:rPr lang="en-US" dirty="0" smtClean="0"/>
+              <a:t> (e.g. </a:t>
+            </a:r>
+            <a:r>
+              <a:rPr lang="en-US" dirty="0" err="1" smtClean="0"/>
+              <a:t>mdns</a:t>
+            </a:r>
+            <a:r>
+              <a:rPr lang="en-US" dirty="0" smtClean="0"/>
+              <a:t>)</a:t>
+            </a:r>
           </a:p>
           <a:p>
             <a:pPr lvl="1"/>
@@ -4036,6 +4668,18 @@
               <a:rPr lang="en-US" dirty="0" err="1" smtClean="0"/>
               <a:t>cloudDirectory</a:t>
             </a:r>
+            <a:r>
+              <a:rPr lang="en-US" dirty="0" smtClean="0"/>
+              <a:t> (e.g. </a:t>
+            </a:r>
+            <a:r>
+              <a:rPr lang="en-US" dirty="0" err="1" smtClean="0"/>
+              <a:t>dns-sd</a:t>
+            </a:r>
+            <a:r>
+              <a:rPr lang="en-US" dirty="0" smtClean="0"/>
+              <a:t>)</a:t>
+            </a:r>
             <a:endParaRPr lang="en-US" dirty="0" smtClean="0"/>
           </a:p>
           <a:p>
@@ -4044,7 +4688,26 @@
               <a:rPr lang="en-US" dirty="0" err="1" smtClean="0"/>
               <a:t>localComm</a:t>
             </a:r>
-            <a:endParaRPr lang="en-US" dirty="0" smtClean="0"/>
+            <a:r>
+              <a:rPr lang="en-US" dirty="0" smtClean="0"/>
+              <a:t> (e.g. </a:t>
+            </a:r>
+            <a:r>
+              <a:rPr lang="en-US" dirty="0" err="1" smtClean="0"/>
+              <a:t>zeromq</a:t>
+            </a:r>
+            <a:r>
+              <a:rPr lang="en-US" dirty="0" smtClean="0"/>
+              <a:t>, </a:t>
+            </a:r>
+            <a:r>
+              <a:rPr lang="en-US" dirty="0" err="1" smtClean="0"/>
+              <a:t>mqtt</a:t>
+            </a:r>
+            <a:r>
+              <a:rPr lang="en-US" dirty="0" smtClean="0"/>
+              <a:t>, http) </a:t>
+            </a:r>
           </a:p>
           <a:p>
             <a:pPr lvl="1"/>
@@ -4052,7 +4715,30 @@
               <a:rPr lang="en-US" dirty="0" err="1" smtClean="0"/>
               <a:t>cloudComm</a:t>
             </a:r>
-            <a:endParaRPr lang="en-US" dirty="0" smtClean="0"/>
+            <a:r>
+              <a:rPr lang="en-US" dirty="0"/>
+              <a:t> </a:t>
+            </a:r>
+            <a:r>
+              <a:rPr lang="en-US" dirty="0" smtClean="0"/>
+              <a:t>(e.g. </a:t>
+            </a:r>
+            <a:r>
+              <a:rPr lang="en-US" dirty="0" err="1" smtClean="0"/>
+              <a:t>zeromq</a:t>
+            </a:r>
+            <a:r>
+              <a:rPr lang="en-US" dirty="0" smtClean="0"/>
+              <a:t>, </a:t>
+            </a:r>
+            <a:r>
+              <a:rPr lang="en-US" dirty="0" err="1" smtClean="0"/>
+              <a:t>mqtt</a:t>
+            </a:r>
+            <a:r>
+              <a:rPr lang="en-US" dirty="0" smtClean="0"/>
+              <a:t>, http)</a:t>
+            </a:r>
           </a:p>
         </p:txBody>
       </p:sp>
@@ -4271,7 +4957,7 @@
           <a:p>
             <a:r>
               <a:rPr lang="en-US" dirty="0" smtClean="0"/>
-              <a:t>Configuration</a:t>
+              <a:t>Plugin Interface Specification</a:t>
             </a:r>
             <a:endParaRPr lang="en-US" dirty="0"/>
           </a:p>
@@ -4285,8 +4971,8 @@
         </p:nvSpPr>
         <p:spPr>
           <a:xfrm>
-            <a:off x="735975" y="1769922"/>
-            <a:ext cx="7327783" cy="3539430"/>
+            <a:off x="457200" y="2828836"/>
+            <a:ext cx="8229600" cy="738664"/>
           </a:xfrm>
           <a:prstGeom prst="rect">
             <a:avLst/>
@@ -4299,259 +4985,134 @@
           <a:lstStyle/>
           <a:p>
             <a:r>
-              <a:rPr lang="en-US" sz="1600" dirty="0">
-                <a:latin typeface="Courier"/>
-                <a:cs typeface="Courier"/>
-              </a:rPr>
-              <a:t>components: {</a:t>
-            </a:r>
-          </a:p>
-          <a:p>
-            <a:r>
-              <a:rPr lang="en-US" sz="1600" dirty="0">
-                <a:latin typeface="Courier"/>
-                <a:cs typeface="Courier"/>
-              </a:rPr>
-              <a:t>	</a:t>
-            </a:r>
-            <a:r>
-              <a:rPr lang="en-US" sz="1600" b="1" dirty="0" err="1" smtClean="0">
-                <a:latin typeface="Courier"/>
-                <a:cs typeface="Courier"/>
-              </a:rPr>
+              <a:rPr lang="en-US" sz="1400" dirty="0">
+                <a:latin typeface="Courier"/>
+                <a:cs typeface="Courier"/>
+              </a:rPr>
+              <a:t>{</a:t>
+            </a:r>
+          </a:p>
+          <a:p>
+            <a:r>
+              <a:rPr lang="en-US" sz="1400" dirty="0">
+                <a:latin typeface="Courier"/>
+                <a:cs typeface="Courier"/>
+              </a:rPr>
+              <a:t>	"functions": ["</a:t>
+            </a:r>
+            <a:r>
+              <a:rPr lang="en-US" sz="1400" dirty="0" err="1">
+                <a:latin typeface="Courier"/>
+                <a:cs typeface="Courier"/>
+              </a:rPr>
+              <a:t>advertiseServices</a:t>
+            </a:r>
+            <a:r>
+              <a:rPr lang="en-US" sz="1400" dirty="0">
+                <a:latin typeface="Courier"/>
+                <a:cs typeface="Courier"/>
+              </a:rPr>
+              <a:t>", "</a:t>
+            </a:r>
+            <a:r>
+              <a:rPr lang="en-US" sz="1400" dirty="0" err="1">
+                <a:latin typeface="Courier"/>
+                <a:cs typeface="Courier"/>
+              </a:rPr>
+              <a:t>discoverServices</a:t>
+            </a:r>
+            <a:r>
+              <a:rPr lang="en-US" sz="1400" dirty="0">
+                <a:latin typeface="Courier"/>
+                <a:cs typeface="Courier"/>
+              </a:rPr>
+              <a:t>", "</a:t>
+            </a:r>
+            <a:r>
+              <a:rPr lang="en-US" sz="1400" dirty="0" err="1">
+                <a:latin typeface="Courier"/>
+                <a:cs typeface="Courier"/>
+              </a:rPr>
+              <a:t>findService</a:t>
+            </a:r>
+            <a:r>
+              <a:rPr lang="en-US" sz="1400" dirty="0">
+                <a:latin typeface="Courier"/>
+                <a:cs typeface="Courier"/>
+              </a:rPr>
+              <a:t>"]</a:t>
+            </a:r>
+          </a:p>
+          <a:p>
+            <a:r>
+              <a:rPr lang="en-US" sz="1400" dirty="0">
+                <a:latin typeface="Courier"/>
+                <a:cs typeface="Courier"/>
+              </a:rPr>
+              <a:t>}</a:t>
+            </a:r>
+          </a:p>
+        </p:txBody>
+      </p:sp>
+      <p:sp>
+        <p:nvSpPr>
+          <p:cNvPr id="5" name="TextBox 4"/>
+          <p:cNvSpPr txBox="1"/>
+          <p:nvPr/>
+        </p:nvSpPr>
+        <p:spPr>
+          <a:xfrm>
+            <a:off x="457200" y="1930667"/>
+            <a:ext cx="6384343" cy="923330"/>
+          </a:xfrm>
+          <a:prstGeom prst="rect">
+            <a:avLst/>
+          </a:prstGeom>
+          <a:noFill/>
+        </p:spPr>
+        <p:txBody>
+          <a:bodyPr wrap="none" rtlCol="0">
+            <a:spAutoFit/>
+          </a:bodyPr>
+          <a:lstStyle/>
+          <a:p>
+            <a:r>
+              <a:rPr lang="en-US" dirty="0" smtClean="0"/>
+              <a:t>Component: </a:t>
+            </a:r>
+            <a:r>
+              <a:rPr lang="en-US" dirty="0" err="1" smtClean="0"/>
               <a:t>localDirectory</a:t>
             </a:r>
-            <a:r>
-              <a:rPr lang="en-US" sz="1600" dirty="0">
-                <a:latin typeface="Courier"/>
-                <a:cs typeface="Courier"/>
-              </a:rPr>
-              <a:t>: </a:t>
-            </a:r>
-            <a:r>
-              <a:rPr lang="en-US" sz="1600" dirty="0" smtClean="0">
-                <a:latin typeface="Courier"/>
-                <a:cs typeface="Courier"/>
-              </a:rPr>
-              <a:t>{</a:t>
-            </a:r>
-          </a:p>
-          <a:p>
-            <a:r>
-              <a:rPr lang="en-US" sz="1600" dirty="0" smtClean="0">
-                <a:latin typeface="Courier"/>
-                <a:cs typeface="Courier"/>
-              </a:rPr>
-              <a:t>		plugins:</a:t>
-            </a:r>
-          </a:p>
-          <a:p>
-            <a:r>
-              <a:rPr lang="en-US" sz="1600" dirty="0">
-                <a:latin typeface="Courier"/>
-                <a:cs typeface="Courier"/>
-              </a:rPr>
-              <a:t>			[</a:t>
-            </a:r>
-          </a:p>
-          <a:p>
-            <a:r>
-              <a:rPr lang="en-US" sz="1600" dirty="0">
-                <a:latin typeface="Courier"/>
-                <a:cs typeface="Courier"/>
-              </a:rPr>
-              <a:t>			 	{core: true, </a:t>
-            </a:r>
-            <a:r>
-              <a:rPr lang="en-US" sz="1600" dirty="0" err="1">
-                <a:latin typeface="Courier"/>
-                <a:cs typeface="Courier"/>
-              </a:rPr>
-              <a:t>fileName</a:t>
-            </a:r>
-            <a:r>
-              <a:rPr lang="en-US" sz="1600" dirty="0">
-                <a:latin typeface="Courier"/>
-                <a:cs typeface="Courier"/>
-              </a:rPr>
-              <a:t>: "</a:t>
-            </a:r>
-            <a:r>
-              <a:rPr lang="en-US" sz="1600" dirty="0" err="1">
-                <a:latin typeface="Courier"/>
-                <a:cs typeface="Courier"/>
-              </a:rPr>
-              <a:t>edison-mdns.js</a:t>
-            </a:r>
-            <a:r>
-              <a:rPr lang="en-US" sz="1600" dirty="0">
-                <a:latin typeface="Courier"/>
-                <a:cs typeface="Courier"/>
-              </a:rPr>
-              <a:t>"},</a:t>
-            </a:r>
-          </a:p>
-          <a:p>
-            <a:r>
-              <a:rPr lang="it-IT" sz="1600" dirty="0">
-                <a:latin typeface="Courier"/>
-                <a:cs typeface="Courier"/>
-              </a:rPr>
-              <a:t>			 	{</a:t>
-            </a:r>
-            <a:r>
-              <a:rPr lang="it-IT" sz="1600" dirty="0" err="1">
-                <a:latin typeface="Courier"/>
-                <a:cs typeface="Courier"/>
-              </a:rPr>
-              <a:t>ignored</a:t>
-            </a:r>
-            <a:r>
-              <a:rPr lang="it-IT" sz="1600" dirty="0">
-                <a:latin typeface="Courier"/>
-                <a:cs typeface="Courier"/>
-              </a:rPr>
-              <a:t>: </a:t>
-            </a:r>
-            <a:r>
-              <a:rPr lang="it-IT" sz="1600" dirty="0" err="1">
-                <a:latin typeface="Courier"/>
-                <a:cs typeface="Courier"/>
-              </a:rPr>
-              <a:t>true</a:t>
-            </a:r>
-            <a:r>
-              <a:rPr lang="it-IT" sz="1600" dirty="0">
-                <a:latin typeface="Courier"/>
-                <a:cs typeface="Courier"/>
-              </a:rPr>
-              <a:t>}</a:t>
-            </a:r>
-          </a:p>
-          <a:p>
-            <a:r>
-              <a:rPr lang="it-IT" sz="1600" dirty="0">
-                <a:latin typeface="Courier"/>
-                <a:cs typeface="Courier"/>
-              </a:rPr>
-              <a:t>			]</a:t>
-            </a:r>
-          </a:p>
-          <a:p>
-            <a:r>
-              <a:rPr lang="it-IT" sz="1600" dirty="0">
-                <a:latin typeface="Courier"/>
-                <a:cs typeface="Courier"/>
-              </a:rPr>
-              <a:t>	},</a:t>
-            </a:r>
-          </a:p>
-          <a:p>
-            <a:r>
-              <a:rPr lang="it-IT" sz="1600" dirty="0">
-                <a:latin typeface="Courier"/>
-                <a:cs typeface="Courier"/>
-              </a:rPr>
-              <a:t>	</a:t>
-            </a:r>
-            <a:r>
-              <a:rPr lang="it-IT" sz="1600" b="1" dirty="0" err="1">
-                <a:latin typeface="Courier"/>
-                <a:cs typeface="Courier"/>
-              </a:rPr>
-              <a:t>localComm</a:t>
-            </a:r>
-            <a:r>
-              <a:rPr lang="it-IT" sz="1600" dirty="0">
-                <a:latin typeface="Courier"/>
-                <a:cs typeface="Courier"/>
-              </a:rPr>
-              <a:t>: {</a:t>
-            </a:r>
-          </a:p>
-          <a:p>
-            <a:r>
-              <a:rPr lang="fr-FR" sz="1600" dirty="0">
-                <a:latin typeface="Courier"/>
-                <a:cs typeface="Courier"/>
-              </a:rPr>
-              <a:t>		plugins:[{}]</a:t>
-            </a:r>
-          </a:p>
-          <a:p>
-            <a:r>
-              <a:rPr lang="fr-FR" sz="1600" dirty="0">
-                <a:latin typeface="Courier"/>
-                <a:cs typeface="Courier"/>
-              </a:rPr>
-              <a:t>	},</a:t>
-            </a:r>
-          </a:p>
-          <a:p>
-            <a:r>
-              <a:rPr lang="cs-CZ" sz="1600" dirty="0">
-                <a:latin typeface="Courier"/>
-                <a:cs typeface="Courier"/>
-              </a:rPr>
-              <a:t>	</a:t>
-            </a:r>
-            <a:r>
-              <a:rPr lang="cs-CZ" sz="1600" b="1" dirty="0" err="1">
-                <a:latin typeface="Courier"/>
-                <a:cs typeface="Courier"/>
-              </a:rPr>
-              <a:t>cloudComm</a:t>
-            </a:r>
-            <a:r>
-              <a:rPr lang="cs-CZ" sz="1600" dirty="0">
-                <a:latin typeface="Courier"/>
-                <a:cs typeface="Courier"/>
-              </a:rPr>
-              <a:t>: [{}],</a:t>
-            </a:r>
-          </a:p>
-          <a:p>
-            <a:r>
-              <a:rPr lang="cs-CZ" sz="1600" dirty="0">
-                <a:latin typeface="Courier"/>
-                <a:cs typeface="Courier"/>
-              </a:rPr>
-              <a:t>	</a:t>
-            </a:r>
-            <a:r>
-              <a:rPr lang="cs-CZ" sz="1600" b="1" dirty="0" err="1">
-                <a:latin typeface="Courier"/>
-                <a:cs typeface="Courier"/>
-              </a:rPr>
-              <a:t>cloudDirectory</a:t>
-            </a:r>
-            <a:r>
-              <a:rPr lang="cs-CZ" sz="1600" dirty="0">
-                <a:latin typeface="Courier"/>
-                <a:cs typeface="Courier"/>
-              </a:rPr>
-              <a:t>: [{}]</a:t>
-            </a:r>
-          </a:p>
-          <a:p>
-            <a:r>
-              <a:rPr lang="cs-CZ" sz="1600" dirty="0" smtClean="0">
-                <a:latin typeface="Courier"/>
-                <a:cs typeface="Courier"/>
-              </a:rPr>
-              <a:t>}</a:t>
-            </a:r>
-            <a:endParaRPr lang="en-US" sz="1600" dirty="0">
-              <a:latin typeface="Courier"/>
-              <a:cs typeface="Courier"/>
-            </a:endParaRPr>
+            <a:endParaRPr lang="en-US" dirty="0" smtClean="0"/>
+          </a:p>
+          <a:p>
+            <a:r>
+              <a:rPr lang="en-US" dirty="0" smtClean="0"/>
+              <a:t>Type: basic (note that different types need different specifications)</a:t>
+            </a:r>
+          </a:p>
+          <a:p>
+            <a:r>
+              <a:rPr lang="en-US" dirty="0" smtClean="0"/>
+              <a:t>Specification in “</a:t>
+            </a:r>
+            <a:r>
+              <a:rPr lang="en-US" dirty="0" err="1" smtClean="0"/>
+              <a:t>localDirectory-basic.json</a:t>
+            </a:r>
+            <a:r>
+              <a:rPr lang="en-US" dirty="0" smtClean="0"/>
+              <a:t>”:</a:t>
+            </a:r>
+            <a:endParaRPr lang="en-US" dirty="0"/>
           </a:p>
         </p:txBody>
       </p:sp>
     </p:spTree>
     <p:extLst>
       <p:ext uri="{BB962C8B-B14F-4D97-AF65-F5344CB8AC3E}">
-        <p14:creationId xmlns:p14="http://schemas.microsoft.com/office/powerpoint/2010/main" val="3834247479"/>
+        <p14:creationId xmlns:p14="http://schemas.microsoft.com/office/powerpoint/2010/main" val="1041511879"/>
       </p:ext>
     </p:extLst>
   </p:cSld>
@@ -4595,7 +5156,7 @@
           <a:p>
             <a:r>
               <a:rPr lang="en-US" dirty="0" smtClean="0"/>
-              <a:t>Edison Services</a:t>
+              <a:t>Configuration</a:t>
             </a:r>
             <a:endParaRPr lang="en-US" dirty="0"/>
           </a:p>
@@ -4609,8 +5170,8 @@
         </p:nvSpPr>
         <p:spPr>
           <a:xfrm>
-            <a:off x="1435168" y="1997839"/>
-            <a:ext cx="6073307" cy="2862323"/>
+            <a:off x="457201" y="1769922"/>
+            <a:ext cx="8229600" cy="3754874"/>
           </a:xfrm>
           <a:prstGeom prst="rect">
             <a:avLst/>
@@ -4623,7 +5184,37 @@
           <a:lstStyle/>
           <a:p>
             <a:r>
-              <a:rPr lang="en-US" dirty="0">
+              <a:rPr lang="en-US" sz="1400" dirty="0">
+                <a:latin typeface="Courier"/>
+                <a:cs typeface="Courier"/>
+              </a:rPr>
+              <a:t>components: {</a:t>
+            </a:r>
+          </a:p>
+          <a:p>
+            <a:r>
+              <a:rPr lang="en-US" sz="1400" dirty="0">
+                <a:latin typeface="Courier"/>
+                <a:cs typeface="Courier"/>
+              </a:rPr>
+              <a:t>	</a:t>
+            </a:r>
+            <a:r>
+              <a:rPr lang="en-US" sz="1400" b="1" dirty="0" err="1" smtClean="0">
+                <a:latin typeface="Courier"/>
+                <a:cs typeface="Courier"/>
+              </a:rPr>
+              <a:t>localDirectory</a:t>
+            </a:r>
+            <a:r>
+              <a:rPr lang="en-US" sz="1400" dirty="0">
+                <a:latin typeface="Courier"/>
+                <a:cs typeface="Courier"/>
+              </a:rPr>
+              <a:t>: </a:t>
+            </a:r>
+            <a:r>
+              <a:rPr lang="en-US" sz="1400" dirty="0" smtClean="0">
                 <a:latin typeface="Courier"/>
                 <a:cs typeface="Courier"/>
               </a:rPr>
@@ -4632,161 +5223,418 @@
           </a:p>
           <a:p>
             <a:r>
-              <a:rPr lang="en-US" dirty="0">
-                <a:latin typeface="Courier"/>
-                <a:cs typeface="Courier"/>
-              </a:rPr>
-              <a:t>    "name" : "Intel </a:t>
-            </a:r>
-            <a:r>
-              <a:rPr lang="en-US" dirty="0" smtClean="0">
-                <a:latin typeface="Courier"/>
-                <a:cs typeface="Courier"/>
-              </a:rPr>
-              <a:t>Temperature Source"</a:t>
-            </a:r>
-            <a:r>
-              <a:rPr lang="en-US" dirty="0">
-                <a:latin typeface="Courier"/>
-                <a:cs typeface="Courier"/>
-              </a:rPr>
-              <a:t>,</a:t>
-            </a:r>
-          </a:p>
-          <a:p>
-            <a:r>
-              <a:rPr lang="en-US" dirty="0">
-                <a:latin typeface="Courier"/>
-                <a:cs typeface="Courier"/>
-              </a:rPr>
-              <a:t>    "type" : {</a:t>
-            </a:r>
-          </a:p>
-          <a:p>
-            <a:r>
-              <a:rPr lang="en-US" dirty="0">
-                <a:latin typeface="Courier"/>
-                <a:cs typeface="Courier"/>
-              </a:rPr>
-              <a:t>        "name": "</a:t>
-            </a:r>
-            <a:r>
-              <a:rPr lang="en-US" dirty="0" err="1">
-                <a:latin typeface="Courier"/>
-                <a:cs typeface="Courier"/>
-              </a:rPr>
-              <a:t>mqtt</a:t>
-            </a:r>
-            <a:r>
-              <a:rPr lang="en-US" dirty="0">
-                <a:latin typeface="Courier"/>
-                <a:cs typeface="Courier"/>
-              </a:rPr>
-              <a:t>",</a:t>
-            </a:r>
-          </a:p>
-          <a:p>
-            <a:r>
-              <a:rPr lang="en-US" dirty="0">
-                <a:latin typeface="Courier"/>
-                <a:cs typeface="Courier"/>
-              </a:rPr>
-              <a:t>        "protocol" : "</a:t>
-            </a:r>
-            <a:r>
-              <a:rPr lang="en-US" dirty="0" err="1">
-                <a:latin typeface="Courier"/>
-                <a:cs typeface="Courier"/>
-              </a:rPr>
-              <a:t>tcp</a:t>
-            </a:r>
-            <a:r>
-              <a:rPr lang="en-US" dirty="0">
-                <a:latin typeface="Courier"/>
-                <a:cs typeface="Courier"/>
-              </a:rPr>
-              <a:t>",</a:t>
-            </a:r>
-          </a:p>
-          <a:p>
-            <a:r>
-              <a:rPr lang="en-US" dirty="0">
-                <a:latin typeface="Courier"/>
-                <a:cs typeface="Courier"/>
-              </a:rPr>
-              <a:t>        "subtypes" : ["</a:t>
-            </a:r>
-            <a:r>
-              <a:rPr lang="en-US" dirty="0" err="1">
-                <a:latin typeface="Courier"/>
-                <a:cs typeface="Courier"/>
-              </a:rPr>
-              <a:t>cpuTemp</a:t>
-            </a:r>
-            <a:r>
-              <a:rPr lang="en-US" dirty="0">
-                <a:latin typeface="Courier"/>
-                <a:cs typeface="Courier"/>
-              </a:rPr>
-              <a:t>"]</a:t>
-            </a:r>
-          </a:p>
-          <a:p>
-            <a:r>
-              <a:rPr lang="en-US" dirty="0">
-                <a:latin typeface="Courier"/>
-                <a:cs typeface="Courier"/>
-              </a:rPr>
-              <a:t>    },</a:t>
-            </a:r>
-          </a:p>
-          <a:p>
-            <a:r>
-              <a:rPr lang="en-US" dirty="0">
-                <a:latin typeface="Courier"/>
-                <a:cs typeface="Courier"/>
-              </a:rPr>
-              <a:t>    "port" : 1888,</a:t>
-            </a:r>
-          </a:p>
-          <a:p>
-            <a:r>
-              <a:rPr lang="en-US" dirty="0">
-                <a:latin typeface="Courier"/>
-                <a:cs typeface="Courier"/>
-              </a:rPr>
-              <a:t>    "properties" : {"</a:t>
-            </a:r>
-            <a:r>
-              <a:rPr lang="en-US" dirty="0" err="1">
-                <a:latin typeface="Courier"/>
-                <a:cs typeface="Courier"/>
-              </a:rPr>
-              <a:t>dataType</a:t>
-            </a:r>
-            <a:r>
-              <a:rPr lang="en-US" dirty="0">
-                <a:latin typeface="Courier"/>
-                <a:cs typeface="Courier"/>
-              </a:rPr>
-              <a:t>" : "float"}</a:t>
-            </a:r>
-          </a:p>
-          <a:p>
-            <a:r>
-              <a:rPr lang="en-US" dirty="0">
+              <a:rPr lang="en-US" sz="1400" dirty="0" smtClean="0">
+                <a:latin typeface="Courier"/>
+                <a:cs typeface="Courier"/>
+              </a:rPr>
+              <a:t>		plugins:</a:t>
+            </a:r>
+          </a:p>
+          <a:p>
+            <a:r>
+              <a:rPr lang="en-US" sz="1400" dirty="0">
+                <a:latin typeface="Courier"/>
+                <a:cs typeface="Courier"/>
+              </a:rPr>
+              <a:t>		</a:t>
+            </a:r>
+            <a:r>
+              <a:rPr lang="en-US" sz="1400" dirty="0" smtClean="0">
+                <a:latin typeface="Courier"/>
+                <a:cs typeface="Courier"/>
+              </a:rPr>
+              <a:t>[</a:t>
+            </a:r>
+            <a:endParaRPr lang="en-US" sz="1400" dirty="0">
+              <a:latin typeface="Courier"/>
+              <a:cs typeface="Courier"/>
+            </a:endParaRPr>
+          </a:p>
+          <a:p>
+            <a:r>
+              <a:rPr lang="en-US" sz="1400" dirty="0">
+                <a:latin typeface="Courier"/>
+                <a:cs typeface="Courier"/>
+              </a:rPr>
+              <a:t>		</a:t>
+            </a:r>
+            <a:r>
+              <a:rPr lang="en-US" sz="1400" dirty="0" smtClean="0">
+                <a:latin typeface="Courier"/>
+                <a:cs typeface="Courier"/>
+              </a:rPr>
+              <a:t>	{</a:t>
+            </a:r>
+            <a:r>
+              <a:rPr lang="en-US" sz="1400" dirty="0">
+                <a:latin typeface="Courier"/>
+                <a:cs typeface="Courier"/>
+              </a:rPr>
+              <a:t>core: true, </a:t>
+            </a:r>
+            <a:r>
+              <a:rPr lang="en-US" sz="1400" dirty="0" err="1">
+                <a:latin typeface="Courier"/>
+                <a:cs typeface="Courier"/>
+              </a:rPr>
+              <a:t>fileName</a:t>
+            </a:r>
+            <a:r>
+              <a:rPr lang="en-US" sz="1400" dirty="0">
+                <a:latin typeface="Courier"/>
+                <a:cs typeface="Courier"/>
+              </a:rPr>
+              <a:t>: </a:t>
+            </a:r>
+            <a:r>
+              <a:rPr lang="en-US" sz="1400" b="1" dirty="0">
+                <a:latin typeface="Courier"/>
+                <a:cs typeface="Courier"/>
+              </a:rPr>
+              <a:t>"</a:t>
+            </a:r>
+            <a:r>
+              <a:rPr lang="en-US" sz="1400" b="1" dirty="0" err="1">
+                <a:latin typeface="Courier"/>
+                <a:cs typeface="Courier"/>
+              </a:rPr>
+              <a:t>edison-</a:t>
+            </a:r>
+            <a:r>
+              <a:rPr lang="en-US" sz="1400" b="1" dirty="0" err="1" smtClean="0">
+                <a:latin typeface="Courier"/>
+                <a:cs typeface="Courier"/>
+              </a:rPr>
+              <a:t>mdns.js</a:t>
+            </a:r>
+            <a:r>
+              <a:rPr lang="en-US" sz="1400" b="1" dirty="0" smtClean="0">
+                <a:latin typeface="Courier"/>
+                <a:cs typeface="Courier"/>
+              </a:rPr>
+              <a:t>”</a:t>
+            </a:r>
+            <a:r>
+              <a:rPr lang="en-US" sz="1400" dirty="0" smtClean="0">
                 <a:latin typeface="Courier"/>
                 <a:cs typeface="Courier"/>
               </a:rPr>
               <a:t>}</a:t>
             </a:r>
+          </a:p>
+          <a:p>
+            <a:r>
+              <a:rPr lang="en-US" sz="1400" dirty="0" smtClean="0">
+                <a:latin typeface="Courier"/>
+                <a:cs typeface="Courier"/>
+              </a:rPr>
+              <a:t>			{}</a:t>
+            </a:r>
+            <a:endParaRPr lang="en-US" sz="1400" dirty="0">
+              <a:latin typeface="Courier"/>
+              <a:cs typeface="Courier"/>
+            </a:endParaRPr>
+          </a:p>
+          <a:p>
+            <a:r>
+              <a:rPr lang="it-IT" sz="1400" dirty="0">
+                <a:latin typeface="Courier"/>
+                <a:cs typeface="Courier"/>
+              </a:rPr>
+              <a:t>		</a:t>
+            </a:r>
+            <a:r>
+              <a:rPr lang="it-IT" sz="1400" dirty="0" smtClean="0">
+                <a:latin typeface="Courier"/>
+                <a:cs typeface="Courier"/>
+              </a:rPr>
+              <a:t>]</a:t>
+            </a:r>
+            <a:endParaRPr lang="it-IT" sz="1400" dirty="0">
+              <a:latin typeface="Courier"/>
+              <a:cs typeface="Courier"/>
+            </a:endParaRPr>
+          </a:p>
+          <a:p>
+            <a:r>
+              <a:rPr lang="it-IT" sz="1400" dirty="0">
+                <a:latin typeface="Courier"/>
+                <a:cs typeface="Courier"/>
+              </a:rPr>
+              <a:t>	},</a:t>
+            </a:r>
+          </a:p>
+          <a:p>
+            <a:r>
+              <a:rPr lang="it-IT" sz="1400" dirty="0">
+                <a:latin typeface="Courier"/>
+                <a:cs typeface="Courier"/>
+              </a:rPr>
+              <a:t>	</a:t>
+            </a:r>
+            <a:r>
+              <a:rPr lang="it-IT" sz="1400" b="1" dirty="0" err="1">
+                <a:latin typeface="Courier"/>
+                <a:cs typeface="Courier"/>
+              </a:rPr>
+              <a:t>localComm</a:t>
+            </a:r>
+            <a:r>
+              <a:rPr lang="it-IT" sz="1400" dirty="0">
+                <a:latin typeface="Courier"/>
+                <a:cs typeface="Courier"/>
+              </a:rPr>
+              <a:t>: {</a:t>
+            </a:r>
+          </a:p>
+          <a:p>
+            <a:r>
+              <a:rPr lang="fr-FR" sz="1400" dirty="0">
+                <a:latin typeface="Courier"/>
+                <a:cs typeface="Courier"/>
+              </a:rPr>
+              <a:t>		plugins</a:t>
+            </a:r>
+            <a:r>
+              <a:rPr lang="fr-FR" sz="1400" dirty="0" smtClean="0">
+                <a:latin typeface="Courier"/>
+                <a:cs typeface="Courier"/>
+              </a:rPr>
+              <a:t>:</a:t>
+            </a:r>
+          </a:p>
+          <a:p>
+            <a:r>
+              <a:rPr lang="en-US" sz="1400" dirty="0"/>
+              <a:t> </a:t>
+            </a:r>
+            <a:r>
+              <a:rPr lang="en-US" sz="1400" dirty="0" smtClean="0"/>
+              <a:t>                      </a:t>
+            </a:r>
+            <a:r>
+              <a:rPr lang="en-US" sz="1400" dirty="0" smtClean="0">
+                <a:latin typeface="Courier"/>
+                <a:cs typeface="Courier"/>
+              </a:rPr>
+              <a:t>[</a:t>
+            </a:r>
+          </a:p>
+          <a:p>
+            <a:r>
+              <a:rPr lang="en-US" sz="1400" dirty="0">
+                <a:latin typeface="Courier"/>
+                <a:cs typeface="Courier"/>
+              </a:rPr>
+              <a:t>	</a:t>
+            </a:r>
+            <a:r>
+              <a:rPr lang="en-US" sz="1400" dirty="0" smtClean="0">
+                <a:latin typeface="Courier"/>
+                <a:cs typeface="Courier"/>
+              </a:rPr>
+              <a:t>		</a:t>
+            </a:r>
+            <a:r>
+              <a:rPr lang="de-DE" sz="1400" dirty="0" smtClean="0">
+                <a:latin typeface="Courier"/>
+                <a:cs typeface="Courier"/>
+              </a:rPr>
+              <a:t>{</a:t>
+            </a:r>
+            <a:r>
+              <a:rPr lang="de-DE" sz="1400" dirty="0" err="1" smtClean="0">
+                <a:latin typeface="Courier"/>
+                <a:cs typeface="Courier"/>
+              </a:rPr>
+              <a:t>ignored</a:t>
+            </a:r>
+            <a:r>
+              <a:rPr lang="de-DE" sz="1400" dirty="0" smtClean="0">
+                <a:latin typeface="Courier"/>
+                <a:cs typeface="Courier"/>
+              </a:rPr>
+              <a:t>: </a:t>
+            </a:r>
+            <a:r>
+              <a:rPr lang="de-DE" sz="1400" dirty="0" err="1" smtClean="0">
+                <a:latin typeface="Courier"/>
+                <a:cs typeface="Courier"/>
+              </a:rPr>
+              <a:t>true</a:t>
+            </a:r>
+            <a:r>
+              <a:rPr lang="de-DE" sz="1400" dirty="0" smtClean="0">
+                <a:latin typeface="Courier"/>
+                <a:cs typeface="Courier"/>
+              </a:rPr>
+              <a:t>, </a:t>
+            </a:r>
+            <a:r>
+              <a:rPr lang="de-DE" sz="1400" dirty="0" err="1" smtClean="0">
+                <a:latin typeface="Courier"/>
+                <a:cs typeface="Courier"/>
+              </a:rPr>
+              <a:t>core</a:t>
+            </a:r>
+            <a:r>
+              <a:rPr lang="de-DE" sz="1400" dirty="0">
+                <a:latin typeface="Courier"/>
+                <a:cs typeface="Courier"/>
+              </a:rPr>
+              <a:t>: </a:t>
+            </a:r>
+            <a:r>
+              <a:rPr lang="de-DE" sz="1400" dirty="0" err="1">
+                <a:latin typeface="Courier"/>
+                <a:cs typeface="Courier"/>
+              </a:rPr>
+              <a:t>true</a:t>
+            </a:r>
+            <a:r>
+              <a:rPr lang="de-DE" sz="1400" dirty="0">
+                <a:latin typeface="Courier"/>
+                <a:cs typeface="Courier"/>
+              </a:rPr>
+              <a:t>, </a:t>
+            </a:r>
+            <a:r>
+              <a:rPr lang="de-DE" sz="1400" dirty="0" err="1">
+                <a:latin typeface="Courier"/>
+                <a:cs typeface="Courier"/>
+              </a:rPr>
+              <a:t>fileName</a:t>
+            </a:r>
+            <a:r>
+              <a:rPr lang="de-DE" sz="1400" dirty="0">
+                <a:latin typeface="Courier"/>
+                <a:cs typeface="Courier"/>
+              </a:rPr>
+              <a:t>: </a:t>
+            </a:r>
+            <a:r>
+              <a:rPr lang="de-DE" sz="1400" b="1" dirty="0">
+                <a:latin typeface="Courier"/>
+                <a:cs typeface="Courier"/>
+              </a:rPr>
+              <a:t>"</a:t>
+            </a:r>
+            <a:r>
+              <a:rPr lang="de-DE" sz="1400" b="1" dirty="0" err="1" smtClean="0">
+                <a:latin typeface="Courier"/>
+                <a:cs typeface="Courier"/>
+              </a:rPr>
+              <a:t>edison-mqtt.js</a:t>
+            </a:r>
+            <a:r>
+              <a:rPr lang="de-DE" sz="1400" b="1" dirty="0" smtClean="0">
+                <a:latin typeface="Courier"/>
+                <a:cs typeface="Courier"/>
+              </a:rPr>
+              <a:t>“</a:t>
+            </a:r>
+            <a:r>
+              <a:rPr lang="de-DE" sz="1400" dirty="0" smtClean="0">
+                <a:latin typeface="Courier"/>
+                <a:cs typeface="Courier"/>
+              </a:rPr>
+              <a:t>}</a:t>
+            </a:r>
+          </a:p>
+          <a:p>
+            <a:r>
+              <a:rPr lang="de-DE" sz="1400" dirty="0">
+                <a:latin typeface="Courier"/>
+                <a:cs typeface="Courier"/>
+              </a:rPr>
+              <a:t>	</a:t>
+            </a:r>
+            <a:r>
+              <a:rPr lang="de-DE" sz="1400" dirty="0" smtClean="0">
+                <a:latin typeface="Courier"/>
+                <a:cs typeface="Courier"/>
+              </a:rPr>
+              <a:t>	]</a:t>
+            </a:r>
+            <a:endParaRPr lang="fr-FR" sz="1400" dirty="0" smtClean="0">
+              <a:latin typeface="Courier"/>
+              <a:cs typeface="Courier"/>
+            </a:endParaRPr>
+          </a:p>
+          <a:p>
+            <a:r>
+              <a:rPr lang="fr-FR" sz="1400" dirty="0">
+                <a:latin typeface="Courier"/>
+                <a:cs typeface="Courier"/>
+              </a:rPr>
+              <a:t>	},</a:t>
+            </a:r>
+          </a:p>
+          <a:p>
+            <a:r>
+              <a:rPr lang="cs-CZ" sz="1400" dirty="0">
+                <a:latin typeface="Courier"/>
+                <a:cs typeface="Courier"/>
+              </a:rPr>
+              <a:t>	</a:t>
+            </a:r>
+            <a:r>
+              <a:rPr lang="cs-CZ" sz="1400" b="1" dirty="0" err="1">
+                <a:latin typeface="Courier"/>
+                <a:cs typeface="Courier"/>
+              </a:rPr>
+              <a:t>cloudComm</a:t>
+            </a:r>
+            <a:r>
+              <a:rPr lang="cs-CZ" sz="1400" dirty="0">
+                <a:latin typeface="Courier"/>
+                <a:cs typeface="Courier"/>
+              </a:rPr>
+              <a:t>: [{}],</a:t>
+            </a:r>
+          </a:p>
+          <a:p>
+            <a:r>
+              <a:rPr lang="cs-CZ" sz="1400" dirty="0">
+                <a:latin typeface="Courier"/>
+                <a:cs typeface="Courier"/>
+              </a:rPr>
+              <a:t>	</a:t>
+            </a:r>
+            <a:r>
+              <a:rPr lang="cs-CZ" sz="1400" b="1" dirty="0" err="1">
+                <a:latin typeface="Courier"/>
+                <a:cs typeface="Courier"/>
+              </a:rPr>
+              <a:t>cloudDirectory</a:t>
+            </a:r>
+            <a:r>
+              <a:rPr lang="cs-CZ" sz="1400" dirty="0">
+                <a:latin typeface="Courier"/>
+                <a:cs typeface="Courier"/>
+              </a:rPr>
+              <a:t>: [{}]</a:t>
+            </a:r>
+          </a:p>
+          <a:p>
+            <a:r>
+              <a:rPr lang="cs-CZ" sz="1400" dirty="0" smtClean="0">
+                <a:latin typeface="Courier"/>
+                <a:cs typeface="Courier"/>
+              </a:rPr>
+              <a:t>}</a:t>
+            </a:r>
+            <a:endParaRPr lang="en-US" sz="1400" dirty="0">
+              <a:latin typeface="Courier"/>
+              <a:cs typeface="Courier"/>
+            </a:endParaRPr>
           </a:p>
         </p:txBody>
       </p:sp>
     </p:spTree>
     <p:extLst>
       <p:ext uri="{BB962C8B-B14F-4D97-AF65-F5344CB8AC3E}">
-        <p14:creationId xmlns:p14="http://schemas.microsoft.com/office/powerpoint/2010/main" val="4282119782"/>
+        <p14:creationId xmlns:p14="http://schemas.microsoft.com/office/powerpoint/2010/main" val="3834247479"/>
       </p:ext>
     </p:extLst>
   </p:cSld>
@@ -4830,7 +5678,7 @@
           <a:p>
             <a:r>
               <a:rPr lang="en-US" dirty="0" smtClean="0"/>
-              <a:t>Advertise All Edison Services</a:t>
+              <a:t>A Valid Plugin</a:t>
             </a:r>
             <a:endParaRPr lang="en-US" dirty="0"/>
           </a:p>
@@ -4844,8 +5692,8 @@
         </p:nvSpPr>
         <p:spPr>
           <a:xfrm>
-            <a:off x="1066375" y="3105835"/>
-            <a:ext cx="7059336" cy="369332"/>
+            <a:off x="457200" y="1720840"/>
+            <a:ext cx="6400800" cy="2031325"/>
           </a:xfrm>
           <a:prstGeom prst="rect">
             <a:avLst/>
@@ -4858,53 +5706,139 @@
           <a:lstStyle/>
           <a:p>
             <a:r>
-              <a:rPr lang="en-US" dirty="0" err="1">
-                <a:latin typeface="Courier"/>
-                <a:cs typeface="Courier"/>
-              </a:rPr>
-              <a:t>edisonMdns.advertiseServices</a:t>
-            </a:r>
-            <a:r>
-              <a:rPr lang="en-US" dirty="0" smtClean="0">
-                <a:latin typeface="Courier"/>
-                <a:cs typeface="Courier"/>
-              </a:rPr>
-              <a:t>(</a:t>
-            </a:r>
-            <a:r>
-              <a:rPr lang="en-US" dirty="0" err="1" smtClean="0">
-                <a:latin typeface="Courier"/>
-                <a:cs typeface="Courier"/>
-              </a:rPr>
-              <a:t>servicesDirectory</a:t>
-            </a:r>
-            <a:r>
-              <a:rPr lang="en-US" dirty="0" smtClean="0">
-                <a:latin typeface="Courier"/>
-                <a:cs typeface="Courier"/>
-              </a:rPr>
-              <a:t>)</a:t>
-            </a:r>
-            <a:r>
-              <a:rPr lang="en-US" dirty="0">
-                <a:latin typeface="Courier"/>
-                <a:cs typeface="Courier"/>
-              </a:rPr>
-              <a:t>);</a:t>
-            </a:r>
+              <a:rPr lang="en-US" dirty="0" err="1"/>
+              <a:t>exports.component</a:t>
+            </a:r>
+            <a:r>
+              <a:rPr lang="en-US" dirty="0"/>
+              <a:t> = "</a:t>
+            </a:r>
+            <a:r>
+              <a:rPr lang="en-US" dirty="0" err="1"/>
+              <a:t>localDirectory</a:t>
+            </a:r>
+            <a:r>
+              <a:rPr lang="en-US" dirty="0"/>
+              <a:t>";</a:t>
+            </a:r>
+          </a:p>
+          <a:p>
+            <a:r>
+              <a:rPr lang="en-US" dirty="0" err="1"/>
+              <a:t>exports.name</a:t>
+            </a:r>
+            <a:r>
+              <a:rPr lang="en-US" dirty="0"/>
+              <a:t> = "</a:t>
+            </a:r>
+            <a:r>
+              <a:rPr lang="en-US" b="1" dirty="0" err="1"/>
+              <a:t>edisonMdns</a:t>
+            </a:r>
+            <a:r>
+              <a:rPr lang="en-US" dirty="0"/>
+              <a:t>";</a:t>
+            </a:r>
+          </a:p>
+          <a:p>
+            <a:r>
+              <a:rPr lang="en-US" dirty="0" err="1"/>
+              <a:t>exports.type</a:t>
+            </a:r>
+            <a:r>
+              <a:rPr lang="en-US" dirty="0"/>
+              <a:t> = </a:t>
+            </a:r>
+            <a:r>
+              <a:rPr lang="en-US" dirty="0" smtClean="0"/>
+              <a:t>”basic"</a:t>
+            </a:r>
+            <a:r>
+              <a:rPr lang="en-US" dirty="0"/>
+              <a:t>;</a:t>
+            </a:r>
+          </a:p>
+          <a:p>
+            <a:endParaRPr lang="en-US" dirty="0"/>
+          </a:p>
+          <a:p>
+            <a:r>
+              <a:rPr lang="en-US" dirty="0" err="1"/>
+              <a:t>exports.advertiseServices</a:t>
+            </a:r>
+            <a:r>
+              <a:rPr lang="en-US" dirty="0"/>
+              <a:t> = function (</a:t>
+            </a:r>
+            <a:r>
+              <a:rPr lang="en-US" dirty="0" err="1"/>
+              <a:t>serviceDirPath</a:t>
+            </a:r>
+            <a:r>
+              <a:rPr lang="en-US" dirty="0"/>
+              <a:t>) </a:t>
+            </a:r>
+            <a:r>
+              <a:rPr lang="en-US" dirty="0" smtClean="0"/>
+              <a:t>{}</a:t>
+            </a:r>
+          </a:p>
+          <a:p>
+            <a:r>
+              <a:rPr lang="en-US" dirty="0" err="1"/>
+              <a:t>exports.discoverServices</a:t>
+            </a:r>
+            <a:r>
+              <a:rPr lang="en-US" dirty="0"/>
+              <a:t> = function (</a:t>
+            </a:r>
+            <a:r>
+              <a:rPr lang="en-US" dirty="0" err="1"/>
+              <a:t>serviceType</a:t>
+            </a:r>
+            <a:r>
+              <a:rPr lang="en-US" dirty="0"/>
+              <a:t>, callback) </a:t>
+            </a:r>
+            <a:r>
+              <a:rPr lang="en-US" dirty="0" smtClean="0"/>
+              <a:t>{}</a:t>
+            </a:r>
+          </a:p>
+          <a:p>
+            <a:r>
+              <a:rPr lang="en-US" dirty="0" err="1"/>
+              <a:t>exports.findService</a:t>
+            </a:r>
+            <a:r>
+              <a:rPr lang="en-US" dirty="0"/>
+              <a:t> = function () </a:t>
+            </a:r>
+            <a:r>
+              <a:rPr lang="en-US" dirty="0" smtClean="0"/>
+              <a:t>{}</a:t>
+            </a:r>
+            <a:endParaRPr lang="en-US" dirty="0"/>
           </a:p>
         </p:txBody>
       </p:sp>
     </p:spTree>
     <p:extLst>
       <p:ext uri="{BB962C8B-B14F-4D97-AF65-F5344CB8AC3E}">
-        <p14:creationId xmlns:p14="http://schemas.microsoft.com/office/powerpoint/2010/main" val="3372425906"/>
+        <p14:creationId xmlns:p14="http://schemas.microsoft.com/office/powerpoint/2010/main" val="1381874635"/>
       </p:ext>
     </p:extLst>
   </p:cSld>
   <p:clrMapOvr>
     <a:masterClrMapping/>
   </p:clrMapOvr>
+  <p:timing>
+    <p:tnLst>
+      <p:par>
+        <p:cTn xmlns:p14="http://schemas.microsoft.com/office/powerpoint/2010/main" id="1" dur="indefinite" restart="never" nodeType="tmRoot"/>
+      </p:par>
+    </p:tnLst>
+  </p:timing>
 </p:sld>
 </file>
 
@@ -4927,12 +5861,12 @@
       </p:grpSpPr>
       <p:sp>
         <p:nvSpPr>
-          <p:cNvPr id="2" name="Title 1"/>
-          <p:cNvSpPr>
-            <a:spLocks noGrp="1"/>
-          </p:cNvSpPr>
-          <p:nvPr>
-            <p:ph type="title"/>
+          <p:cNvPr id="4" name="Title 3"/>
+          <p:cNvSpPr>
+            <a:spLocks noGrp="1"/>
+          </p:cNvSpPr>
+          <p:nvPr>
+            <p:ph type="ctrTitle"/>
           </p:nvPr>
         </p:nvSpPr>
         <p:spPr/>
@@ -4942,7 +5876,7 @@
           <a:p>
             <a:r>
               <a:rPr lang="en-US" dirty="0" smtClean="0"/>
-              <a:t>Plugin Specification</a:t>
+              <a:t>Got a local service directory, but how to define services?</a:t>
             </a:r>
             <a:endParaRPr lang="en-US" dirty="0"/>
           </a:p>
@@ -4950,105 +5884,40 @@
       </p:sp>
       <p:sp>
         <p:nvSpPr>
-          <p:cNvPr id="4" name="Rectangle 3"/>
-          <p:cNvSpPr/>
-          <p:nvPr/>
-        </p:nvSpPr>
-        <p:spPr>
-          <a:xfrm>
-            <a:off x="457200" y="2828836"/>
-            <a:ext cx="8229600" cy="738664"/>
-          </a:xfrm>
-          <a:prstGeom prst="rect">
-            <a:avLst/>
-          </a:prstGeom>
-        </p:spPr>
-        <p:txBody>
-          <a:bodyPr wrap="square">
-            <a:spAutoFit/>
-          </a:bodyPr>
-          <a:lstStyle/>
-          <a:p>
-            <a:r>
-              <a:rPr lang="en-US" sz="1400" dirty="0">
-                <a:latin typeface="Courier"/>
-                <a:cs typeface="Courier"/>
-              </a:rPr>
-              <a:t>{</a:t>
-            </a:r>
-          </a:p>
-          <a:p>
-            <a:r>
-              <a:rPr lang="en-US" sz="1400" dirty="0">
-                <a:latin typeface="Courier"/>
-                <a:cs typeface="Courier"/>
-              </a:rPr>
-              <a:t>	"functions": ["</a:t>
-            </a:r>
-            <a:r>
-              <a:rPr lang="en-US" sz="1400" dirty="0" err="1">
-                <a:latin typeface="Courier"/>
-                <a:cs typeface="Courier"/>
-              </a:rPr>
-              <a:t>advertiseServices</a:t>
-            </a:r>
-            <a:r>
-              <a:rPr lang="en-US" sz="1400" dirty="0">
-                <a:latin typeface="Courier"/>
-                <a:cs typeface="Courier"/>
-              </a:rPr>
-              <a:t>", "</a:t>
-            </a:r>
-            <a:r>
-              <a:rPr lang="en-US" sz="1400" dirty="0" err="1">
-                <a:latin typeface="Courier"/>
-                <a:cs typeface="Courier"/>
-              </a:rPr>
-              <a:t>discoverServices</a:t>
-            </a:r>
-            <a:r>
-              <a:rPr lang="en-US" sz="1400" dirty="0">
-                <a:latin typeface="Courier"/>
-                <a:cs typeface="Courier"/>
-              </a:rPr>
-              <a:t>", "</a:t>
-            </a:r>
-            <a:r>
-              <a:rPr lang="en-US" sz="1400" dirty="0" err="1">
-                <a:latin typeface="Courier"/>
-                <a:cs typeface="Courier"/>
-              </a:rPr>
-              <a:t>findService</a:t>
-            </a:r>
-            <a:r>
-              <a:rPr lang="en-US" sz="1400" dirty="0">
-                <a:latin typeface="Courier"/>
-                <a:cs typeface="Courier"/>
-              </a:rPr>
-              <a:t>"]</a:t>
-            </a:r>
-          </a:p>
-          <a:p>
-            <a:r>
-              <a:rPr lang="en-US" sz="1400" dirty="0">
-                <a:latin typeface="Courier"/>
-                <a:cs typeface="Courier"/>
-              </a:rPr>
-              <a:t>}</a:t>
-            </a:r>
+          <p:cNvPr id="5" name="Subtitle 4"/>
+          <p:cNvSpPr>
+            <a:spLocks noGrp="1"/>
+          </p:cNvSpPr>
+          <p:nvPr>
+            <p:ph type="subTitle" idx="1"/>
+          </p:nvPr>
+        </p:nvSpPr>
+        <p:spPr/>
+        <p:txBody>
+          <a:bodyPr/>
+          <a:lstStyle/>
+          <a:p>
+            <a:endParaRPr lang="en-US"/>
           </a:p>
         </p:txBody>
       </p:sp>
     </p:spTree>
     <p:extLst>
       <p:ext uri="{BB962C8B-B14F-4D97-AF65-F5344CB8AC3E}">
-        <p14:creationId xmlns:p14="http://schemas.microsoft.com/office/powerpoint/2010/main" val="1041511879"/>
+        <p14:creationId xmlns:p14="http://schemas.microsoft.com/office/powerpoint/2010/main" val="3564183125"/>
       </p:ext>
     </p:extLst>
   </p:cSld>
   <p:clrMapOvr>
     <a:masterClrMapping/>
   </p:clrMapOvr>
+  <p:timing>
+    <p:tnLst>
+      <p:par>
+        <p:cTn xmlns:p14="http://schemas.microsoft.com/office/powerpoint/2010/main" id="1" dur="indefinite" restart="never" nodeType="tmRoot"/>
+      </p:par>
+    </p:tnLst>
+  </p:timing>
 </p:sld>
 </file>
 
@@ -5086,7 +5955,7 @@
           <a:p>
             <a:r>
               <a:rPr lang="en-US" dirty="0" smtClean="0"/>
-              <a:t>Communication</a:t>
+              <a:t>Edison Services</a:t>
             </a:r>
             <a:endParaRPr lang="en-US" dirty="0"/>
           </a:p>
@@ -5094,33 +5963,396 @@
       </p:sp>
       <p:sp>
         <p:nvSpPr>
-          <p:cNvPr id="3" name="Content Placeholder 2"/>
-          <p:cNvSpPr>
-            <a:spLocks noGrp="1"/>
-          </p:cNvSpPr>
-          <p:nvPr>
-            <p:ph idx="1"/>
-          </p:nvPr>
-        </p:nvSpPr>
-        <p:spPr/>
-        <p:txBody>
-          <a:bodyPr/>
-          <a:lstStyle/>
-          <a:p>
-            <a:endParaRPr lang="en-US"/>
+          <p:cNvPr id="4" name="Rectangle 3"/>
+          <p:cNvSpPr/>
+          <p:nvPr/>
+        </p:nvSpPr>
+        <p:spPr>
+          <a:xfrm>
+            <a:off x="1435168" y="1997839"/>
+            <a:ext cx="6073307" cy="2862323"/>
+          </a:xfrm>
+          <a:prstGeom prst="rect">
+            <a:avLst/>
+          </a:prstGeom>
+        </p:spPr>
+        <p:txBody>
+          <a:bodyPr wrap="square">
+            <a:spAutoFit/>
+          </a:bodyPr>
+          <a:lstStyle/>
+          <a:p>
+            <a:r>
+              <a:rPr lang="en-US" dirty="0">
+                <a:latin typeface="Courier"/>
+                <a:cs typeface="Courier"/>
+              </a:rPr>
+              <a:t>{</a:t>
+            </a:r>
+          </a:p>
+          <a:p>
+            <a:r>
+              <a:rPr lang="en-US" dirty="0">
+                <a:latin typeface="Courier"/>
+                <a:cs typeface="Courier"/>
+              </a:rPr>
+              <a:t>    "name" : </a:t>
+            </a:r>
+            <a:r>
+              <a:rPr lang="en-US" dirty="0" smtClean="0">
+                <a:latin typeface="Courier"/>
+                <a:cs typeface="Courier"/>
+              </a:rPr>
+              <a:t>”/Intel/temperature"</a:t>
+            </a:r>
+            <a:r>
+              <a:rPr lang="en-US" dirty="0">
+                <a:latin typeface="Courier"/>
+                <a:cs typeface="Courier"/>
+              </a:rPr>
+              <a:t>,</a:t>
+            </a:r>
+          </a:p>
+          <a:p>
+            <a:r>
+              <a:rPr lang="en-US" dirty="0">
+                <a:latin typeface="Courier"/>
+                <a:cs typeface="Courier"/>
+              </a:rPr>
+              <a:t>    "type" : {</a:t>
+            </a:r>
+          </a:p>
+          <a:p>
+            <a:r>
+              <a:rPr lang="en-US" dirty="0">
+                <a:latin typeface="Courier"/>
+                <a:cs typeface="Courier"/>
+              </a:rPr>
+              <a:t>        "name": "</a:t>
+            </a:r>
+            <a:r>
+              <a:rPr lang="en-US" dirty="0" err="1">
+                <a:latin typeface="Courier"/>
+                <a:cs typeface="Courier"/>
+              </a:rPr>
+              <a:t>mqtt</a:t>
+            </a:r>
+            <a:r>
+              <a:rPr lang="en-US" dirty="0">
+                <a:latin typeface="Courier"/>
+                <a:cs typeface="Courier"/>
+              </a:rPr>
+              <a:t>",</a:t>
+            </a:r>
+          </a:p>
+          <a:p>
+            <a:r>
+              <a:rPr lang="en-US" dirty="0">
+                <a:latin typeface="Courier"/>
+                <a:cs typeface="Courier"/>
+              </a:rPr>
+              <a:t>        "protocol" : "</a:t>
+            </a:r>
+            <a:r>
+              <a:rPr lang="en-US" dirty="0" err="1">
+                <a:latin typeface="Courier"/>
+                <a:cs typeface="Courier"/>
+              </a:rPr>
+              <a:t>tcp</a:t>
+            </a:r>
+            <a:r>
+              <a:rPr lang="en-US" dirty="0">
+                <a:latin typeface="Courier"/>
+                <a:cs typeface="Courier"/>
+              </a:rPr>
+              <a:t>",</a:t>
+            </a:r>
+          </a:p>
+          <a:p>
+            <a:r>
+              <a:rPr lang="en-US" dirty="0">
+                <a:latin typeface="Courier"/>
+                <a:cs typeface="Courier"/>
+              </a:rPr>
+              <a:t>        "subtypes" : ["</a:t>
+            </a:r>
+            <a:r>
+              <a:rPr lang="en-US" dirty="0" err="1">
+                <a:latin typeface="Courier"/>
+                <a:cs typeface="Courier"/>
+              </a:rPr>
+              <a:t>cpuTemp</a:t>
+            </a:r>
+            <a:r>
+              <a:rPr lang="en-US" dirty="0">
+                <a:latin typeface="Courier"/>
+                <a:cs typeface="Courier"/>
+              </a:rPr>
+              <a:t>"]</a:t>
+            </a:r>
+          </a:p>
+          <a:p>
+            <a:r>
+              <a:rPr lang="en-US" dirty="0">
+                <a:latin typeface="Courier"/>
+                <a:cs typeface="Courier"/>
+              </a:rPr>
+              <a:t>    },</a:t>
+            </a:r>
+          </a:p>
+          <a:p>
+            <a:r>
+              <a:rPr lang="en-US" dirty="0">
+                <a:latin typeface="Courier"/>
+                <a:cs typeface="Courier"/>
+              </a:rPr>
+              <a:t>    "port" : 1888,</a:t>
+            </a:r>
+          </a:p>
+          <a:p>
+            <a:r>
+              <a:rPr lang="en-US" dirty="0">
+                <a:latin typeface="Courier"/>
+                <a:cs typeface="Courier"/>
+              </a:rPr>
+              <a:t>    "properties" : {"</a:t>
+            </a:r>
+            <a:r>
+              <a:rPr lang="en-US" dirty="0" err="1">
+                <a:latin typeface="Courier"/>
+                <a:cs typeface="Courier"/>
+              </a:rPr>
+              <a:t>dataType</a:t>
+            </a:r>
+            <a:r>
+              <a:rPr lang="en-US" dirty="0">
+                <a:latin typeface="Courier"/>
+                <a:cs typeface="Courier"/>
+              </a:rPr>
+              <a:t>" : "float"}</a:t>
+            </a:r>
+          </a:p>
+          <a:p>
+            <a:r>
+              <a:rPr lang="en-US" dirty="0">
+                <a:latin typeface="Courier"/>
+                <a:cs typeface="Courier"/>
+              </a:rPr>
+              <a:t>}</a:t>
+            </a:r>
+          </a:p>
+        </p:txBody>
+      </p:sp>
+      <p:sp>
+        <p:nvSpPr>
+          <p:cNvPr id="5" name="TextBox 4"/>
+          <p:cNvSpPr txBox="1"/>
+          <p:nvPr/>
+        </p:nvSpPr>
+        <p:spPr>
+          <a:xfrm>
+            <a:off x="2323105" y="5300538"/>
+            <a:ext cx="3736758" cy="646331"/>
+          </a:xfrm>
+          <a:prstGeom prst="rect">
+            <a:avLst/>
+          </a:prstGeom>
+          <a:noFill/>
+        </p:spPr>
+        <p:txBody>
+          <a:bodyPr wrap="none" rtlCol="0">
+            <a:spAutoFit/>
+          </a:bodyPr>
+          <a:lstStyle/>
+          <a:p>
+            <a:r>
+              <a:rPr lang="en-US" dirty="0" smtClean="0"/>
+              <a:t>For </a:t>
+            </a:r>
+            <a:r>
+              <a:rPr lang="en-US" dirty="0" err="1" smtClean="0"/>
+              <a:t>pubsub</a:t>
+            </a:r>
+            <a:r>
+              <a:rPr lang="en-US" dirty="0" smtClean="0"/>
+              <a:t> folks,</a:t>
+            </a:r>
+          </a:p>
+          <a:p>
+            <a:r>
+              <a:rPr lang="en-US" dirty="0" smtClean="0"/>
+              <a:t>Topic: /Intel/temperature/</a:t>
+            </a:r>
+            <a:r>
+              <a:rPr lang="en-US" dirty="0" err="1" smtClean="0"/>
+              <a:t>cpuTemp</a:t>
+            </a:r>
+            <a:r>
+              <a:rPr lang="en-US" dirty="0" smtClean="0"/>
+              <a:t> </a:t>
+            </a:r>
+            <a:r>
+              <a:rPr lang="en-US" baseline="30000" dirty="0" smtClean="0"/>
+              <a:t>1</a:t>
+            </a:r>
+            <a:endParaRPr lang="en-US" baseline="30000" dirty="0"/>
+          </a:p>
+        </p:txBody>
+      </p:sp>
+      <p:sp>
+        <p:nvSpPr>
+          <p:cNvPr id="6" name="TextBox 5"/>
+          <p:cNvSpPr txBox="1"/>
+          <p:nvPr/>
+        </p:nvSpPr>
+        <p:spPr>
+          <a:xfrm>
+            <a:off x="6638063" y="6215314"/>
+            <a:ext cx="2121093" cy="307777"/>
+          </a:xfrm>
+          <a:prstGeom prst="rect">
+            <a:avLst/>
+          </a:prstGeom>
+          <a:noFill/>
+        </p:spPr>
+        <p:txBody>
+          <a:bodyPr wrap="none" rtlCol="0">
+            <a:spAutoFit/>
+          </a:bodyPr>
+          <a:lstStyle/>
+          <a:p>
+            <a:r>
+              <a:rPr lang="en-US" sz="1400" baseline="30000" dirty="0" smtClean="0"/>
+              <a:t>1</a:t>
+            </a:r>
+            <a:r>
+              <a:rPr lang="en-US" sz="1400" dirty="0" smtClean="0"/>
+              <a:t>All credit goes to </a:t>
+            </a:r>
+            <a:r>
+              <a:rPr lang="en-US" sz="1400" dirty="0" err="1" smtClean="0"/>
+              <a:t>Pradeep</a:t>
+            </a:r>
+            <a:endParaRPr lang="en-US" sz="1400" dirty="0"/>
           </a:p>
         </p:txBody>
       </p:sp>
     </p:spTree>
     <p:extLst>
       <p:ext uri="{BB962C8B-B14F-4D97-AF65-F5344CB8AC3E}">
-        <p14:creationId xmlns:p14="http://schemas.microsoft.com/office/powerpoint/2010/main" val="2395359913"/>
+        <p14:creationId xmlns:p14="http://schemas.microsoft.com/office/powerpoint/2010/main" val="4282119782"/>
       </p:ext>
     </p:extLst>
   </p:cSld>
   <p:clrMapOvr>
     <a:masterClrMapping/>
   </p:clrMapOvr>
+  <p:timing>
+    <p:tnLst>
+      <p:par>
+        <p:cTn xmlns:p14="http://schemas.microsoft.com/office/powerpoint/2010/main" id="1" dur="indefinite" restart="never" nodeType="tmRoot">
+          <p:childTnLst>
+            <p:seq concurrent="1" nextAc="seek">
+              <p:cTn id="2" dur="indefinite" nodeType="mainSeq">
+                <p:childTnLst>
+                  <p:par>
+                    <p:cTn id="3" fill="hold">
+                      <p:stCondLst>
+                        <p:cond delay="indefinite"/>
+                      </p:stCondLst>
+                      <p:childTnLst>
+                        <p:par>
+                          <p:cTn id="4" fill="hold">
+                            <p:stCondLst>
+                              <p:cond delay="0"/>
+                            </p:stCondLst>
+                            <p:childTnLst>
+                              <p:par>
+                                <p:cTn id="5" presetID="1" presetClass="entr" presetSubtype="0" fill="hold" grpId="0" nodeType="clickEffect">
+                                  <p:stCondLst>
+                                    <p:cond delay="0"/>
+                                  </p:stCondLst>
+                                  <p:childTnLst>
+                                    <p:set>
+                                      <p:cBhvr>
+                                        <p:cTn id="6" dur="1" fill="hold">
+                                          <p:stCondLst>
+                                            <p:cond delay="0"/>
+                                          </p:stCondLst>
+                                        </p:cTn>
+                                        <p:tgtEl>
+                                          <p:spTgt spid="5"/>
+                                        </p:tgtEl>
+                                        <p:attrNameLst>
+                                          <p:attrName>style.visibility</p:attrName>
+                                        </p:attrNameLst>
+                                      </p:cBhvr>
+                                      <p:to>
+                                        <p:strVal val="visible"/>
+                                      </p:to>
+                                    </p:set>
+                                  </p:childTnLst>
+                                </p:cTn>
+                              </p:par>
+                              <p:par>
+                                <p:cTn id="7" presetID="1" presetClass="entr" presetSubtype="0" fill="hold" grpId="0" nodeType="withEffect">
+                                  <p:stCondLst>
+                                    <p:cond delay="0"/>
+                                  </p:stCondLst>
+                                  <p:childTnLst>
+                                    <p:set>
+                                      <p:cBhvr>
+                                        <p:cTn id="8" dur="1" fill="hold">
+                                          <p:stCondLst>
+                                            <p:cond delay="0"/>
+                                          </p:stCondLst>
+                                        </p:cTn>
+                                        <p:tgtEl>
+                                          <p:spTgt spid="6"/>
+                                        </p:tgtEl>
+                                        <p:attrNameLst>
+                                          <p:attrName>style.visibility</p:attrName>
+                                        </p:attrNameLst>
+                                      </p:cBhvr>
+                                      <p:to>
+                                        <p:strVal val="visible"/>
+                                      </p:to>
+                                    </p:set>
+                                  </p:childTnLst>
+                                </p:cTn>
+                              </p:par>
+                            </p:childTnLst>
+                          </p:cTn>
+                        </p:par>
+                      </p:childTnLst>
+                    </p:cTn>
+                  </p:par>
+                </p:childTnLst>
+              </p:cTn>
+              <p:prevCondLst>
+                <p:cond evt="onPrev" delay="0">
+                  <p:tgtEl>
+                    <p:sldTgt/>
+                  </p:tgtEl>
+                </p:cond>
+              </p:prevCondLst>
+              <p:nextCondLst>
+                <p:cond evt="onNext" delay="0">
+                  <p:tgtEl>
+                    <p:sldTgt/>
+                  </p:tgtEl>
+                </p:cond>
+              </p:nextCondLst>
+            </p:seq>
+          </p:childTnLst>
+        </p:cTn>
+      </p:par>
+    </p:tnLst>
+    <p:bldLst>
+      <p:bldP spid="5" grpId="0"/>
+      <p:bldP spid="6" grpId="0"/>
+    </p:bldLst>
+  </p:timing>
 </p:sld>
 </file>
 

--- a/docs/tutorials/overview.pptx
+++ b/docs/tutorials/overview.pptx
@@ -204,7 +204,7 @@
           <a:p>
             <a:fld id="{7DFD0073-33D8-B84F-916B-09F76D5EE8AA}" type="datetimeFigureOut">
               <a:rPr lang="en-US" smtClean="0"/>
-              <a:t>3/28/14</a:t>
+              <a:t>3/31/14</a:t>
             </a:fld>
             <a:endParaRPr lang="en-US"/>
           </a:p>
@@ -737,7 +737,7 @@
           <a:p>
             <a:fld id="{4D99775E-6597-244C-A3B1-EE888261407C}" type="datetimeFigureOut">
               <a:rPr lang="en-US" smtClean="0"/>
-              <a:t>3/28/14</a:t>
+              <a:t>3/31/14</a:t>
             </a:fld>
             <a:endParaRPr lang="en-US"/>
           </a:p>
@@ -907,7 +907,7 @@
           <a:p>
             <a:fld id="{4D99775E-6597-244C-A3B1-EE888261407C}" type="datetimeFigureOut">
               <a:rPr lang="en-US" smtClean="0"/>
-              <a:t>3/28/14</a:t>
+              <a:t>3/31/14</a:t>
             </a:fld>
             <a:endParaRPr lang="en-US"/>
           </a:p>
@@ -1087,7 +1087,7 @@
           <a:p>
             <a:fld id="{4D99775E-6597-244C-A3B1-EE888261407C}" type="datetimeFigureOut">
               <a:rPr lang="en-US" smtClean="0"/>
-              <a:t>3/28/14</a:t>
+              <a:t>3/31/14</a:t>
             </a:fld>
             <a:endParaRPr lang="en-US"/>
           </a:p>
@@ -1257,7 +1257,7 @@
           <a:p>
             <a:fld id="{4D99775E-6597-244C-A3B1-EE888261407C}" type="datetimeFigureOut">
               <a:rPr lang="en-US" smtClean="0"/>
-              <a:t>3/28/14</a:t>
+              <a:t>3/31/14</a:t>
             </a:fld>
             <a:endParaRPr lang="en-US"/>
           </a:p>
@@ -1503,7 +1503,7 @@
           <a:p>
             <a:fld id="{4D99775E-6597-244C-A3B1-EE888261407C}" type="datetimeFigureOut">
               <a:rPr lang="en-US" smtClean="0"/>
-              <a:t>3/28/14</a:t>
+              <a:t>3/31/14</a:t>
             </a:fld>
             <a:endParaRPr lang="en-US"/>
           </a:p>
@@ -1791,7 +1791,7 @@
           <a:p>
             <a:fld id="{4D99775E-6597-244C-A3B1-EE888261407C}" type="datetimeFigureOut">
               <a:rPr lang="en-US" smtClean="0"/>
-              <a:t>3/28/14</a:t>
+              <a:t>3/31/14</a:t>
             </a:fld>
             <a:endParaRPr lang="en-US"/>
           </a:p>
@@ -2213,7 +2213,7 @@
           <a:p>
             <a:fld id="{4D99775E-6597-244C-A3B1-EE888261407C}" type="datetimeFigureOut">
               <a:rPr lang="en-US" smtClean="0"/>
-              <a:t>3/28/14</a:t>
+              <a:t>3/31/14</a:t>
             </a:fld>
             <a:endParaRPr lang="en-US"/>
           </a:p>
@@ -2331,7 +2331,7 @@
           <a:p>
             <a:fld id="{4D99775E-6597-244C-A3B1-EE888261407C}" type="datetimeFigureOut">
               <a:rPr lang="en-US" smtClean="0"/>
-              <a:t>3/28/14</a:t>
+              <a:t>3/31/14</a:t>
             </a:fld>
             <a:endParaRPr lang="en-US"/>
           </a:p>
@@ -2426,7 +2426,7 @@
           <a:p>
             <a:fld id="{4D99775E-6597-244C-A3B1-EE888261407C}" type="datetimeFigureOut">
               <a:rPr lang="en-US" smtClean="0"/>
-              <a:t>3/28/14</a:t>
+              <a:t>3/31/14</a:t>
             </a:fld>
             <a:endParaRPr lang="en-US"/>
           </a:p>
@@ -2703,7 +2703,7 @@
           <a:p>
             <a:fld id="{4D99775E-6597-244C-A3B1-EE888261407C}" type="datetimeFigureOut">
               <a:rPr lang="en-US" smtClean="0"/>
-              <a:t>3/28/14</a:t>
+              <a:t>3/31/14</a:t>
             </a:fld>
             <a:endParaRPr lang="en-US"/>
           </a:p>
@@ -2956,7 +2956,7 @@
           <a:p>
             <a:fld id="{4D99775E-6597-244C-A3B1-EE888261407C}" type="datetimeFigureOut">
               <a:rPr lang="en-US" smtClean="0"/>
-              <a:t>3/28/14</a:t>
+              <a:t>3/31/14</a:t>
             </a:fld>
             <a:endParaRPr lang="en-US"/>
           </a:p>
@@ -3169,7 +3169,7 @@
           <a:p>
             <a:fld id="{4D99775E-6597-244C-A3B1-EE888261407C}" type="datetimeFigureOut">
               <a:rPr lang="en-US" smtClean="0"/>
-              <a:t>3/28/14</a:t>
+              <a:t>3/31/14</a:t>
             </a:fld>
             <a:endParaRPr lang="en-US"/>
           </a:p>
@@ -3561,7 +3561,11 @@
           <a:p>
             <a:r>
               <a:rPr lang="en-US" dirty="0" smtClean="0"/>
-              <a:t>The Edison API</a:t>
+              <a:t>The Edison </a:t>
+            </a:r>
+            <a:r>
+              <a:rPr lang="en-US" dirty="0" smtClean="0"/>
+              <a:t>Convenience Library</a:t>
             </a:r>
             <a:endParaRPr lang="en-US" dirty="0"/>
           </a:p>
@@ -3584,7 +3588,15 @@
           <a:p>
             <a:r>
               <a:rPr lang="en-US" dirty="0" smtClean="0"/>
-              <a:t>Yes, I said “API”</a:t>
+              <a:t>Fine, I’ll stop </a:t>
+            </a:r>
+            <a:r>
+              <a:rPr lang="en-US" dirty="0" smtClean="0"/>
+              <a:t>calling it an </a:t>
+            </a:r>
+            <a:r>
+              <a:rPr lang="en-US" dirty="0" smtClean="0"/>
+              <a:t>“API”</a:t>
             </a:r>
             <a:endParaRPr lang="en-US" dirty="0"/>
           </a:p>
@@ -4680,7 +4692,6 @@
               <a:rPr lang="en-US" dirty="0" smtClean="0"/>
               <a:t>)</a:t>
             </a:r>
-            <a:endParaRPr lang="en-US" dirty="0" smtClean="0"/>
           </a:p>
           <a:p>
             <a:pPr lvl="1"/>
@@ -4971,7 +4982,7 @@
         </p:nvSpPr>
         <p:spPr>
           <a:xfrm>
-            <a:off x="457200" y="2828836"/>
+            <a:off x="457200" y="2560412"/>
             <a:ext cx="8229600" cy="738664"/>
           </a:xfrm>
           <a:prstGeom prst="rect">
@@ -5062,7 +5073,7 @@
         </p:nvSpPr>
         <p:spPr>
           <a:xfrm>
-            <a:off x="457200" y="1930667"/>
+            <a:off x="457200" y="1662243"/>
             <a:ext cx="6384343" cy="923330"/>
           </a:xfrm>
           <a:prstGeom prst="rect">
@@ -5100,6 +5111,133 @@
             <a:r>
               <a:rPr lang="en-US" dirty="0" err="1" smtClean="0"/>
               <a:t>localDirectory-basic.json</a:t>
+            </a:r>
+            <a:r>
+              <a:rPr lang="en-US" dirty="0" smtClean="0"/>
+              <a:t>”:</a:t>
+            </a:r>
+            <a:endParaRPr lang="en-US" dirty="0"/>
+          </a:p>
+        </p:txBody>
+      </p:sp>
+      <p:sp>
+        <p:nvSpPr>
+          <p:cNvPr id="3" name="Rectangle 2"/>
+          <p:cNvSpPr/>
+          <p:nvPr/>
+        </p:nvSpPr>
+        <p:spPr>
+          <a:xfrm>
+            <a:off x="561740" y="5069237"/>
+            <a:ext cx="8125060" cy="738664"/>
+          </a:xfrm>
+          <a:prstGeom prst="rect">
+            <a:avLst/>
+          </a:prstGeom>
+        </p:spPr>
+        <p:txBody>
+          <a:bodyPr wrap="square">
+            <a:spAutoFit/>
+          </a:bodyPr>
+          <a:lstStyle/>
+          <a:p>
+            <a:r>
+              <a:rPr lang="en-US" sz="1400" dirty="0">
+                <a:latin typeface="Courier"/>
+                <a:cs typeface="Courier"/>
+              </a:rPr>
+              <a:t>{</a:t>
+            </a:r>
+          </a:p>
+          <a:p>
+            <a:r>
+              <a:rPr lang="en-US" sz="1400" dirty="0">
+                <a:latin typeface="Courier"/>
+                <a:cs typeface="Courier"/>
+              </a:rPr>
+              <a:t>	"functions": ["</a:t>
+            </a:r>
+            <a:r>
+              <a:rPr lang="en-US" sz="1400" dirty="0" err="1">
+                <a:latin typeface="Courier"/>
+                <a:cs typeface="Courier"/>
+              </a:rPr>
+              <a:t>createClient</a:t>
+            </a:r>
+            <a:r>
+              <a:rPr lang="en-US" sz="1400" dirty="0">
+                <a:latin typeface="Courier"/>
+                <a:cs typeface="Courier"/>
+              </a:rPr>
+              <a:t>", "publish", "subscribe", "close"]</a:t>
+            </a:r>
+          </a:p>
+          <a:p>
+            <a:r>
+              <a:rPr lang="en-US" sz="1400" dirty="0">
+                <a:latin typeface="Courier"/>
+                <a:cs typeface="Courier"/>
+              </a:rPr>
+              <a:t>}</a:t>
+            </a:r>
+            <a:endParaRPr lang="en-US" sz="1400" dirty="0">
+              <a:latin typeface="Courier"/>
+              <a:cs typeface="Courier"/>
+            </a:endParaRPr>
+          </a:p>
+        </p:txBody>
+      </p:sp>
+      <p:sp>
+        <p:nvSpPr>
+          <p:cNvPr id="6" name="TextBox 5"/>
+          <p:cNvSpPr txBox="1"/>
+          <p:nvPr/>
+        </p:nvSpPr>
+        <p:spPr>
+          <a:xfrm>
+            <a:off x="457200" y="4178880"/>
+            <a:ext cx="4176556" cy="923330"/>
+          </a:xfrm>
+          <a:prstGeom prst="rect">
+            <a:avLst/>
+          </a:prstGeom>
+          <a:noFill/>
+        </p:spPr>
+        <p:txBody>
+          <a:bodyPr wrap="none" rtlCol="0">
+            <a:spAutoFit/>
+          </a:bodyPr>
+          <a:lstStyle/>
+          <a:p>
+            <a:r>
+              <a:rPr lang="en-US" dirty="0" smtClean="0"/>
+              <a:t>Component: </a:t>
+            </a:r>
+            <a:r>
+              <a:rPr lang="en-US" dirty="0" err="1" smtClean="0"/>
+              <a:t>localComm</a:t>
+            </a:r>
+            <a:endParaRPr lang="en-US" dirty="0" smtClean="0"/>
+          </a:p>
+          <a:p>
+            <a:r>
+              <a:rPr lang="en-US" dirty="0" smtClean="0"/>
+              <a:t>Type: </a:t>
+            </a:r>
+            <a:r>
+              <a:rPr lang="en-US" dirty="0" err="1" smtClean="0"/>
+              <a:t>pubsub</a:t>
+            </a:r>
+            <a:endParaRPr lang="en-US" dirty="0" smtClean="0"/>
+          </a:p>
+          <a:p>
+            <a:r>
+              <a:rPr lang="en-US" dirty="0" smtClean="0"/>
+              <a:t>Specification in “</a:t>
+            </a:r>
+            <a:r>
+              <a:rPr lang="en-US" dirty="0" err="1" smtClean="0"/>
+              <a:t>localComm-pubsub.json</a:t>
             </a:r>
             <a:r>
               <a:rPr lang="en-US" dirty="0" smtClean="0"/>
